--- a/Slides.pptx
+++ b/Slides.pptx
@@ -6,22 +6,29 @@
     <p:sldMasterId id="2147484700" r:id="rId5"/>
   </p:sldMasterIdLst>
   <p:notesMasterIdLst>
-    <p:notesMasterId r:id="rId16"/>
+    <p:notesMasterId r:id="rId23"/>
   </p:notesMasterIdLst>
   <p:handoutMasterIdLst>
-    <p:handoutMasterId r:id="rId17"/>
+    <p:handoutMasterId r:id="rId24"/>
   </p:handoutMasterIdLst>
   <p:sldIdLst>
     <p:sldId id="1719" r:id="rId6"/>
-    <p:sldId id="1888" r:id="rId7"/>
-    <p:sldId id="1670" r:id="rId8"/>
-    <p:sldId id="1660" r:id="rId9"/>
-    <p:sldId id="1890" r:id="rId10"/>
-    <p:sldId id="1889" r:id="rId11"/>
-    <p:sldId id="1530" r:id="rId12"/>
-    <p:sldId id="1886" r:id="rId13"/>
-    <p:sldId id="1532" r:id="rId14"/>
-    <p:sldId id="1891" r:id="rId15"/>
+    <p:sldId id="1895" r:id="rId7"/>
+    <p:sldId id="1888" r:id="rId8"/>
+    <p:sldId id="1670" r:id="rId9"/>
+    <p:sldId id="1660" r:id="rId10"/>
+    <p:sldId id="1890" r:id="rId11"/>
+    <p:sldId id="1889" r:id="rId12"/>
+    <p:sldId id="1530" r:id="rId13"/>
+    <p:sldId id="1896" r:id="rId14"/>
+    <p:sldId id="1893" r:id="rId15"/>
+    <p:sldId id="1894" r:id="rId16"/>
+    <p:sldId id="1897" r:id="rId17"/>
+    <p:sldId id="1898" r:id="rId18"/>
+    <p:sldId id="1892" r:id="rId19"/>
+    <p:sldId id="1886" r:id="rId20"/>
+    <p:sldId id="1532" r:id="rId21"/>
+    <p:sldId id="1891" r:id="rId22"/>
   </p:sldIdLst>
   <p:sldSz cx="9144000" cy="6858000" type="screen4x3"/>
   <p:notesSz cx="6858000" cy="9144000"/>
@@ -249,7 +256,7 @@
               <a:rPr lang="en-US" smtClean="0">
                 <a:latin typeface="Segoe UI" pitchFamily="34" charset="0"/>
               </a:rPr>
-              <a:t>18-Jun-18 6:28 PM</a:t>
+              <a:t>19-Jun-18 4:13 AM</a:t>
             </a:fld>
             <a:endParaRPr lang="en-US" dirty="0">
               <a:latin typeface="Segoe UI" pitchFamily="34" charset="0"/>
@@ -527,7 +534,7 @@
           <a:p>
             <a:fld id="{386CE63F-9E7F-4C04-9D0D-FCA25A8E9E86}" type="datetime8">
               <a:rPr lang="en-US" smtClean="0"/>
-              <a:t>18-Jun-18 6:28 PM</a:t>
+              <a:t>19-Jun-18 4:11 AM</a:t>
             </a:fld>
             <a:endParaRPr lang="en-US" dirty="0"/>
           </a:p>
@@ -947,7 +954,7 @@
           <a:p>
             <a:fld id="{3619146B-24F9-441E-A368-DB3B5A84C1D4}" type="datetime8">
               <a:rPr lang="en-US" smtClean="0"/>
-              <a:t>18-Jun-18 6:28 PM</a:t>
+              <a:t>19-Jun-18 4:11 AM</a:t>
             </a:fld>
             <a:endParaRPr lang="en-US" dirty="0"/>
           </a:p>
@@ -1036,6 +1043,731 @@
         </p:nvSpPr>
         <p:spPr/>
         <p:txBody>
+          <a:bodyPr/>
+          <a:lstStyle/>
+          <a:p>
+            <a:endParaRPr lang="en-US" dirty="0"/>
+          </a:p>
+        </p:txBody>
+      </p:sp>
+      <p:sp>
+        <p:nvSpPr>
+          <p:cNvPr id="6" name="Slide Number Placeholder 5"/>
+          <p:cNvSpPr>
+            <a:spLocks noGrp="1"/>
+          </p:cNvSpPr>
+          <p:nvPr>
+            <p:ph type="sldNum" sz="quarter" idx="12"/>
+          </p:nvPr>
+        </p:nvSpPr>
+        <p:spPr/>
+        <p:txBody>
+          <a:bodyPr/>
+          <a:lstStyle/>
+          <a:p>
+            <a:fld id="{B4008EB6-D09E-4580-8CD6-DDB14511944F}" type="slidenum">
+              <a:rPr lang="en-US" smtClean="0"/>
+              <a:pPr/>
+              <a:t>12</a:t>
+            </a:fld>
+            <a:endParaRPr lang="en-US" dirty="0"/>
+          </a:p>
+        </p:txBody>
+      </p:sp>
+      <p:sp>
+        <p:nvSpPr>
+          <p:cNvPr id="10" name="Date Placeholder 9"/>
+          <p:cNvSpPr>
+            <a:spLocks noGrp="1"/>
+          </p:cNvSpPr>
+          <p:nvPr>
+            <p:ph type="dt" idx="13"/>
+          </p:nvPr>
+        </p:nvSpPr>
+        <p:spPr/>
+        <p:txBody>
+          <a:bodyPr/>
+          <a:lstStyle/>
+          <a:p>
+            <a:fld id="{D44C3489-8257-4E60-994D-6A5CEE67ED71}" type="datetime8">
+              <a:rPr lang="en-US" smtClean="0"/>
+              <a:t>19-Jun-18 4:28 AM</a:t>
+            </a:fld>
+            <a:endParaRPr lang="en-US" dirty="0"/>
+          </a:p>
+        </p:txBody>
+      </p:sp>
+      <p:sp>
+        <p:nvSpPr>
+          <p:cNvPr id="4" name="Footer Placeholder 3"/>
+          <p:cNvSpPr>
+            <a:spLocks noGrp="1"/>
+          </p:cNvSpPr>
+          <p:nvPr>
+            <p:ph type="ftr" sz="quarter" idx="14"/>
+          </p:nvPr>
+        </p:nvSpPr>
+        <p:spPr/>
+        <p:txBody>
+          <a:bodyPr/>
+          <a:lstStyle/>
+          <a:p>
+            <a:pPr defTabSz="914099" eaLnBrk="0" hangingPunct="0"/>
+            <a:r>
+              <a:rPr lang="en-US" sz="400" dirty="0">
+                <a:gradFill>
+                  <a:gsLst>
+                    <a:gs pos="0">
+                      <a:prstClr val="black"/>
+                    </a:gs>
+                    <a:gs pos="100000">
+                      <a:prstClr val="black"/>
+                    </a:gs>
+                  </a:gsLst>
+                  <a:lin ang="5400000" scaled="0"/>
+                </a:gradFill>
+                <a:latin typeface="Segoe UI" pitchFamily="34" charset="0"/>
+                <a:ea typeface="Segoe UI" pitchFamily="34" charset="0"/>
+                <a:cs typeface="Segoe UI" pitchFamily="34" charset="0"/>
+              </a:rPr>
+              <a:t>© Microsoft Corporation. All rights reserved. MICROSOFT MAKES NO WARRANTIES, EXPRESS, IMPLIED OR STATUTORY, AS TO THE INFORMATION IN THIS PRESENTATION.</a:t>
+            </a:r>
+          </a:p>
+        </p:txBody>
+      </p:sp>
+      <p:sp>
+        <p:nvSpPr>
+          <p:cNvPr id="5" name="Header Placeholder 4"/>
+          <p:cNvSpPr>
+            <a:spLocks noGrp="1"/>
+          </p:cNvSpPr>
+          <p:nvPr>
+            <p:ph type="hdr" sz="quarter" idx="15"/>
+          </p:nvPr>
+        </p:nvSpPr>
+        <p:spPr/>
+        <p:txBody>
+          <a:bodyPr/>
+          <a:lstStyle/>
+          <a:p>
+            <a:endParaRPr lang="en-US" dirty="0"/>
+          </a:p>
+        </p:txBody>
+      </p:sp>
+    </p:spTree>
+    <p:extLst>
+      <p:ext uri="{BB962C8B-B14F-4D97-AF65-F5344CB8AC3E}">
+        <p14:creationId xmlns:p14="http://schemas.microsoft.com/office/powerpoint/2010/main" val="896472354"/>
+      </p:ext>
+    </p:extLst>
+  </p:cSld>
+  <p:clrMapOvr>
+    <a:masterClrMapping/>
+  </p:clrMapOvr>
+</p:notes>
+</file>
+
+<file path=ppt/notesSlides/notesSlide11.xml><?xml version="1.0" encoding="utf-8"?>
+<p:notes xmlns:a="http://schemas.openxmlformats.org/drawingml/2006/main" xmlns:r="http://schemas.openxmlformats.org/officeDocument/2006/relationships" xmlns:p="http://schemas.openxmlformats.org/presentationml/2006/main">
+  <p:cSld>
+    <p:spTree>
+      <p:nvGrpSpPr>
+        <p:cNvPr id="1" name=""/>
+        <p:cNvGrpSpPr/>
+        <p:nvPr/>
+      </p:nvGrpSpPr>
+      <p:grpSpPr>
+        <a:xfrm>
+          <a:off x="0" y="0"/>
+          <a:ext cx="0" cy="0"/>
+          <a:chOff x="0" y="0"/>
+          <a:chExt cx="0" cy="0"/>
+        </a:xfrm>
+      </p:grpSpPr>
+      <p:sp>
+        <p:nvSpPr>
+          <p:cNvPr id="2" name="Slide Image Placeholder 1"/>
+          <p:cNvSpPr>
+            <a:spLocks noGrp="1" noRot="1" noChangeAspect="1"/>
+          </p:cNvSpPr>
+          <p:nvPr>
+            <p:ph type="sldImg"/>
+          </p:nvPr>
+        </p:nvSpPr>
+        <p:spPr>
+          <a:xfrm>
+            <a:off x="1143000" y="685800"/>
+            <a:ext cx="4572000" cy="3429000"/>
+          </a:xfrm>
+        </p:spPr>
+      </p:sp>
+      <p:sp>
+        <p:nvSpPr>
+          <p:cNvPr id="3" name="Notes Placeholder 2"/>
+          <p:cNvSpPr>
+            <a:spLocks noGrp="1"/>
+          </p:cNvSpPr>
+          <p:nvPr>
+            <p:ph type="body" idx="1"/>
+          </p:nvPr>
+        </p:nvSpPr>
+        <p:spPr/>
+        <p:txBody>
+          <a:bodyPr/>
+          <a:lstStyle/>
+          <a:p>
+            <a:endParaRPr lang="en-US" dirty="0"/>
+          </a:p>
+        </p:txBody>
+      </p:sp>
+      <p:sp>
+        <p:nvSpPr>
+          <p:cNvPr id="6" name="Slide Number Placeholder 5"/>
+          <p:cNvSpPr>
+            <a:spLocks noGrp="1"/>
+          </p:cNvSpPr>
+          <p:nvPr>
+            <p:ph type="sldNum" sz="quarter" idx="12"/>
+          </p:nvPr>
+        </p:nvSpPr>
+        <p:spPr/>
+        <p:txBody>
+          <a:bodyPr/>
+          <a:lstStyle/>
+          <a:p>
+            <a:fld id="{B4008EB6-D09E-4580-8CD6-DDB14511944F}" type="slidenum">
+              <a:rPr lang="en-US" smtClean="0"/>
+              <a:pPr/>
+              <a:t>13</a:t>
+            </a:fld>
+            <a:endParaRPr lang="en-US" dirty="0"/>
+          </a:p>
+        </p:txBody>
+      </p:sp>
+      <p:sp>
+        <p:nvSpPr>
+          <p:cNvPr id="10" name="Date Placeholder 9"/>
+          <p:cNvSpPr>
+            <a:spLocks noGrp="1"/>
+          </p:cNvSpPr>
+          <p:nvPr>
+            <p:ph type="dt" idx="13"/>
+          </p:nvPr>
+        </p:nvSpPr>
+        <p:spPr/>
+        <p:txBody>
+          <a:bodyPr/>
+          <a:lstStyle/>
+          <a:p>
+            <a:fld id="{D44C3489-8257-4E60-994D-6A5CEE67ED71}" type="datetime8">
+              <a:rPr lang="en-US" smtClean="0"/>
+              <a:t>19-Jun-18 4:33 AM</a:t>
+            </a:fld>
+            <a:endParaRPr lang="en-US" dirty="0"/>
+          </a:p>
+        </p:txBody>
+      </p:sp>
+      <p:sp>
+        <p:nvSpPr>
+          <p:cNvPr id="4" name="Footer Placeholder 3"/>
+          <p:cNvSpPr>
+            <a:spLocks noGrp="1"/>
+          </p:cNvSpPr>
+          <p:nvPr>
+            <p:ph type="ftr" sz="quarter" idx="14"/>
+          </p:nvPr>
+        </p:nvSpPr>
+        <p:spPr/>
+        <p:txBody>
+          <a:bodyPr/>
+          <a:lstStyle/>
+          <a:p>
+            <a:pPr defTabSz="914099" eaLnBrk="0" hangingPunct="0"/>
+            <a:r>
+              <a:rPr lang="en-US" sz="400" dirty="0">
+                <a:gradFill>
+                  <a:gsLst>
+                    <a:gs pos="0">
+                      <a:prstClr val="black"/>
+                    </a:gs>
+                    <a:gs pos="100000">
+                      <a:prstClr val="black"/>
+                    </a:gs>
+                  </a:gsLst>
+                  <a:lin ang="5400000" scaled="0"/>
+                </a:gradFill>
+                <a:latin typeface="Segoe UI" pitchFamily="34" charset="0"/>
+                <a:ea typeface="Segoe UI" pitchFamily="34" charset="0"/>
+                <a:cs typeface="Segoe UI" pitchFamily="34" charset="0"/>
+              </a:rPr>
+              <a:t>© Microsoft Corporation. All rights reserved. MICROSOFT MAKES NO WARRANTIES, EXPRESS, IMPLIED OR STATUTORY, AS TO THE INFORMATION IN THIS PRESENTATION.</a:t>
+            </a:r>
+          </a:p>
+        </p:txBody>
+      </p:sp>
+      <p:sp>
+        <p:nvSpPr>
+          <p:cNvPr id="5" name="Header Placeholder 4"/>
+          <p:cNvSpPr>
+            <a:spLocks noGrp="1"/>
+          </p:cNvSpPr>
+          <p:nvPr>
+            <p:ph type="hdr" sz="quarter" idx="15"/>
+          </p:nvPr>
+        </p:nvSpPr>
+        <p:spPr/>
+        <p:txBody>
+          <a:bodyPr/>
+          <a:lstStyle/>
+          <a:p>
+            <a:endParaRPr lang="en-US" dirty="0"/>
+          </a:p>
+        </p:txBody>
+      </p:sp>
+    </p:spTree>
+    <p:extLst>
+      <p:ext uri="{BB962C8B-B14F-4D97-AF65-F5344CB8AC3E}">
+        <p14:creationId xmlns:p14="http://schemas.microsoft.com/office/powerpoint/2010/main" val="1571756924"/>
+      </p:ext>
+    </p:extLst>
+  </p:cSld>
+  <p:clrMapOvr>
+    <a:masterClrMapping/>
+  </p:clrMapOvr>
+</p:notes>
+</file>
+
+<file path=ppt/notesSlides/notesSlide12.xml><?xml version="1.0" encoding="utf-8"?>
+<p:notes xmlns:a="http://schemas.openxmlformats.org/drawingml/2006/main" xmlns:r="http://schemas.openxmlformats.org/officeDocument/2006/relationships" xmlns:p="http://schemas.openxmlformats.org/presentationml/2006/main">
+  <p:cSld>
+    <p:spTree>
+      <p:nvGrpSpPr>
+        <p:cNvPr id="1" name=""/>
+        <p:cNvGrpSpPr/>
+        <p:nvPr/>
+      </p:nvGrpSpPr>
+      <p:grpSpPr>
+        <a:xfrm>
+          <a:off x="0" y="0"/>
+          <a:ext cx="0" cy="0"/>
+          <a:chOff x="0" y="0"/>
+          <a:chExt cx="0" cy="0"/>
+        </a:xfrm>
+      </p:grpSpPr>
+      <p:sp>
+        <p:nvSpPr>
+          <p:cNvPr id="2" name="Slide Image Placeholder 1"/>
+          <p:cNvSpPr>
+            <a:spLocks noGrp="1" noRot="1" noChangeAspect="1"/>
+          </p:cNvSpPr>
+          <p:nvPr>
+            <p:ph type="sldImg"/>
+          </p:nvPr>
+        </p:nvSpPr>
+        <p:spPr>
+          <a:xfrm>
+            <a:off x="1143000" y="685800"/>
+            <a:ext cx="4572000" cy="3429000"/>
+          </a:xfrm>
+        </p:spPr>
+      </p:sp>
+      <p:sp>
+        <p:nvSpPr>
+          <p:cNvPr id="3" name="Notes Placeholder 2"/>
+          <p:cNvSpPr>
+            <a:spLocks noGrp="1"/>
+          </p:cNvSpPr>
+          <p:nvPr>
+            <p:ph type="body" idx="1"/>
+          </p:nvPr>
+        </p:nvSpPr>
+        <p:spPr/>
+        <p:txBody>
+          <a:bodyPr/>
+          <a:lstStyle/>
+          <a:p>
+            <a:pPr marL="171450" indent="-171450">
+              <a:buFont typeface="Arial" panose="020B0604020202020204" pitchFamily="34" charset="0"/>
+              <a:buChar char="•"/>
+            </a:pPr>
+            <a:r>
+              <a:rPr lang="en-US" dirty="0"/>
+              <a:t>Show the .csproj</a:t>
+            </a:r>
+          </a:p>
+          <a:p>
+            <a:pPr marL="171450" indent="-171450">
+              <a:buFont typeface="Arial" panose="020B0604020202020204" pitchFamily="34" charset="0"/>
+              <a:buChar char="•"/>
+            </a:pPr>
+            <a:r>
+              <a:rPr lang="en-US" dirty="0"/>
+              <a:t>Show a sample API (Vibration)</a:t>
+            </a:r>
+          </a:p>
+          <a:p>
+            <a:pPr marL="171450" indent="-171450">
+              <a:buFont typeface="Arial" panose="020B0604020202020204" pitchFamily="34" charset="0"/>
+              <a:buChar char="•"/>
+            </a:pPr>
+            <a:r>
+              <a:rPr lang="en-US" dirty="0"/>
+              <a:t>Show the build script</a:t>
+            </a:r>
+          </a:p>
+          <a:p>
+            <a:pPr marL="171450" indent="-171450">
+              <a:buFont typeface="Arial" panose="020B0604020202020204" pitchFamily="34" charset="0"/>
+              <a:buChar char="•"/>
+            </a:pPr>
+            <a:r>
+              <a:rPr lang="en-US" dirty="0"/>
+              <a:t>Show the </a:t>
+            </a:r>
+            <a:r>
+              <a:rPr lang="en-US" dirty="0" err="1"/>
+              <a:t>mdoc.targets</a:t>
+            </a:r>
+            <a:r>
+              <a:rPr lang="en-US" dirty="0"/>
+              <a:t> file where magic happens</a:t>
+            </a:r>
+          </a:p>
+        </p:txBody>
+      </p:sp>
+      <p:sp>
+        <p:nvSpPr>
+          <p:cNvPr id="4" name="Header Placeholder 3"/>
+          <p:cNvSpPr>
+            <a:spLocks noGrp="1"/>
+          </p:cNvSpPr>
+          <p:nvPr>
+            <p:ph type="hdr" sz="quarter" idx="10"/>
+          </p:nvPr>
+        </p:nvSpPr>
+        <p:spPr/>
+        <p:txBody>
+          <a:bodyPr/>
+          <a:lstStyle/>
+          <a:p>
+            <a:endParaRPr lang="en-US" dirty="0"/>
+          </a:p>
+        </p:txBody>
+      </p:sp>
+      <p:sp>
+        <p:nvSpPr>
+          <p:cNvPr id="5" name="Footer Placeholder 4"/>
+          <p:cNvSpPr>
+            <a:spLocks noGrp="1"/>
+          </p:cNvSpPr>
+          <p:nvPr>
+            <p:ph type="ftr" sz="quarter" idx="11"/>
+          </p:nvPr>
+        </p:nvSpPr>
+        <p:spPr/>
+        <p:txBody>
+          <a:bodyPr/>
+          <a:lstStyle/>
+          <a:p>
+            <a:pPr defTabSz="914099" eaLnBrk="0" hangingPunct="0"/>
+            <a:r>
+              <a:rPr lang="en-US" sz="400" dirty="0">
+                <a:gradFill>
+                  <a:gsLst>
+                    <a:gs pos="0">
+                      <a:prstClr val="black"/>
+                    </a:gs>
+                    <a:gs pos="100000">
+                      <a:prstClr val="black"/>
+                    </a:gs>
+                  </a:gsLst>
+                  <a:lin ang="5400000" scaled="0"/>
+                </a:gradFill>
+                <a:latin typeface="Segoe UI" pitchFamily="34" charset="0"/>
+                <a:ea typeface="Segoe UI" pitchFamily="34" charset="0"/>
+                <a:cs typeface="Segoe UI" pitchFamily="34" charset="0"/>
+              </a:rPr>
+              <a:t>© Microsoft Corporation. All rights reserved. MICROSOFT MAKES NO WARRANTIES, EXPRESS, IMPLIED OR STATUTORY, AS TO THE INFORMATION IN THIS PRESENTATION.</a:t>
+            </a:r>
+          </a:p>
+        </p:txBody>
+      </p:sp>
+      <p:sp>
+        <p:nvSpPr>
+          <p:cNvPr id="6" name="Date Placeholder 5"/>
+          <p:cNvSpPr>
+            <a:spLocks noGrp="1"/>
+          </p:cNvSpPr>
+          <p:nvPr>
+            <p:ph type="dt" idx="12"/>
+          </p:nvPr>
+        </p:nvSpPr>
+        <p:spPr/>
+        <p:txBody>
+          <a:bodyPr/>
+          <a:lstStyle/>
+          <a:p>
+            <a:fld id="{B16574EE-8191-4BCC-ABE6-D00A4F4D7690}" type="datetime8">
+              <a:rPr lang="en-US" smtClean="0"/>
+              <a:t>19-Jun-18 4:13 AM</a:t>
+            </a:fld>
+            <a:endParaRPr lang="en-US" dirty="0"/>
+          </a:p>
+        </p:txBody>
+      </p:sp>
+      <p:sp>
+        <p:nvSpPr>
+          <p:cNvPr id="7" name="Slide Number Placeholder 6"/>
+          <p:cNvSpPr>
+            <a:spLocks noGrp="1"/>
+          </p:cNvSpPr>
+          <p:nvPr>
+            <p:ph type="sldNum" sz="quarter" idx="13"/>
+          </p:nvPr>
+        </p:nvSpPr>
+        <p:spPr/>
+        <p:txBody>
+          <a:bodyPr/>
+          <a:lstStyle/>
+          <a:p>
+            <a:fld id="{B4008EB6-D09E-4580-8CD6-DDB14511944F}" type="slidenum">
+              <a:rPr lang="en-US" smtClean="0"/>
+              <a:pPr/>
+              <a:t>14</a:t>
+            </a:fld>
+            <a:endParaRPr lang="en-US" dirty="0"/>
+          </a:p>
+        </p:txBody>
+      </p:sp>
+    </p:spTree>
+    <p:extLst>
+      <p:ext uri="{BB962C8B-B14F-4D97-AF65-F5344CB8AC3E}">
+        <p14:creationId xmlns:p14="http://schemas.microsoft.com/office/powerpoint/2010/main" val="2033805007"/>
+      </p:ext>
+    </p:extLst>
+  </p:cSld>
+  <p:clrMapOvr>
+    <a:masterClrMapping/>
+  </p:clrMapOvr>
+</p:notes>
+</file>
+
+<file path=ppt/notesSlides/notesSlide13.xml><?xml version="1.0" encoding="utf-8"?>
+<p:notes xmlns:a="http://schemas.openxmlformats.org/drawingml/2006/main" xmlns:r="http://schemas.openxmlformats.org/officeDocument/2006/relationships" xmlns:p="http://schemas.openxmlformats.org/presentationml/2006/main">
+  <p:cSld>
+    <p:spTree>
+      <p:nvGrpSpPr>
+        <p:cNvPr id="1" name=""/>
+        <p:cNvGrpSpPr/>
+        <p:nvPr/>
+      </p:nvGrpSpPr>
+      <p:grpSpPr>
+        <a:xfrm>
+          <a:off x="0" y="0"/>
+          <a:ext cx="0" cy="0"/>
+          <a:chOff x="0" y="0"/>
+          <a:chExt cx="0" cy="0"/>
+        </a:xfrm>
+      </p:grpSpPr>
+      <p:sp>
+        <p:nvSpPr>
+          <p:cNvPr id="2" name="Slide Image Placeholder 1"/>
+          <p:cNvSpPr>
+            <a:spLocks noGrp="1" noRot="1" noChangeAspect="1"/>
+          </p:cNvSpPr>
+          <p:nvPr>
+            <p:ph type="sldImg"/>
+          </p:nvPr>
+        </p:nvSpPr>
+        <p:spPr>
+          <a:xfrm>
+            <a:off x="1143000" y="685800"/>
+            <a:ext cx="4572000" cy="3429000"/>
+          </a:xfrm>
+        </p:spPr>
+      </p:sp>
+      <p:sp>
+        <p:nvSpPr>
+          <p:cNvPr id="3" name="Notes Placeholder 2"/>
+          <p:cNvSpPr>
+            <a:spLocks noGrp="1"/>
+          </p:cNvSpPr>
+          <p:nvPr>
+            <p:ph type="body" idx="1"/>
+          </p:nvPr>
+        </p:nvSpPr>
+        <p:spPr/>
+        <p:txBody>
+          <a:bodyPr/>
+          <a:lstStyle/>
+          <a:p>
+            <a:endParaRPr lang="en-US" dirty="0"/>
+          </a:p>
+        </p:txBody>
+      </p:sp>
+      <p:sp>
+        <p:nvSpPr>
+          <p:cNvPr id="4" name="Header Placeholder 3"/>
+          <p:cNvSpPr>
+            <a:spLocks noGrp="1"/>
+          </p:cNvSpPr>
+          <p:nvPr>
+            <p:ph type="hdr" sz="quarter" idx="10"/>
+          </p:nvPr>
+        </p:nvSpPr>
+        <p:spPr/>
+        <p:txBody>
+          <a:bodyPr/>
+          <a:lstStyle/>
+          <a:p>
+            <a:endParaRPr lang="en-US" dirty="0"/>
+          </a:p>
+        </p:txBody>
+      </p:sp>
+      <p:sp>
+        <p:nvSpPr>
+          <p:cNvPr id="5" name="Footer Placeholder 4"/>
+          <p:cNvSpPr>
+            <a:spLocks noGrp="1"/>
+          </p:cNvSpPr>
+          <p:nvPr>
+            <p:ph type="ftr" sz="quarter" idx="11"/>
+          </p:nvPr>
+        </p:nvSpPr>
+        <p:spPr/>
+        <p:txBody>
+          <a:bodyPr/>
+          <a:lstStyle/>
+          <a:p>
+            <a:pPr defTabSz="914099" eaLnBrk="0" hangingPunct="0"/>
+            <a:r>
+              <a:rPr lang="en-US" sz="400" dirty="0">
+                <a:gradFill>
+                  <a:gsLst>
+                    <a:gs pos="0">
+                      <a:prstClr val="black"/>
+                    </a:gs>
+                    <a:gs pos="100000">
+                      <a:prstClr val="black"/>
+                    </a:gs>
+                  </a:gsLst>
+                  <a:lin ang="5400000" scaled="0"/>
+                </a:gradFill>
+                <a:latin typeface="Segoe UI" pitchFamily="34" charset="0"/>
+                <a:ea typeface="Segoe UI" pitchFamily="34" charset="0"/>
+                <a:cs typeface="Segoe UI" pitchFamily="34" charset="0"/>
+              </a:rPr>
+              <a:t>© Microsoft Corporation. All rights reserved. MICROSOFT MAKES NO WARRANTIES, EXPRESS, IMPLIED OR STATUTORY, AS TO THE INFORMATION IN THIS PRESENTATION.</a:t>
+            </a:r>
+          </a:p>
+        </p:txBody>
+      </p:sp>
+      <p:sp>
+        <p:nvSpPr>
+          <p:cNvPr id="6" name="Date Placeholder 5"/>
+          <p:cNvSpPr>
+            <a:spLocks noGrp="1"/>
+          </p:cNvSpPr>
+          <p:nvPr>
+            <p:ph type="dt" idx="12"/>
+          </p:nvPr>
+        </p:nvSpPr>
+        <p:spPr/>
+        <p:txBody>
+          <a:bodyPr/>
+          <a:lstStyle/>
+          <a:p>
+            <a:fld id="{9427A7F7-BB1E-479D-AFAA-B52F4D0C99F2}" type="datetime8">
+              <a:rPr lang="en-US" smtClean="0"/>
+              <a:t>19-Jun-18 4:24 AM</a:t>
+            </a:fld>
+            <a:endParaRPr lang="en-US" dirty="0"/>
+          </a:p>
+        </p:txBody>
+      </p:sp>
+      <p:sp>
+        <p:nvSpPr>
+          <p:cNvPr id="7" name="Slide Number Placeholder 6"/>
+          <p:cNvSpPr>
+            <a:spLocks noGrp="1"/>
+          </p:cNvSpPr>
+          <p:nvPr>
+            <p:ph type="sldNum" sz="quarter" idx="13"/>
+          </p:nvPr>
+        </p:nvSpPr>
+        <p:spPr/>
+        <p:txBody>
+          <a:bodyPr/>
+          <a:lstStyle/>
+          <a:p>
+            <a:fld id="{B4008EB6-D09E-4580-8CD6-DDB14511944F}" type="slidenum">
+              <a:rPr lang="en-US" smtClean="0"/>
+              <a:pPr/>
+              <a:t>15</a:t>
+            </a:fld>
+            <a:endParaRPr lang="en-US" dirty="0"/>
+          </a:p>
+        </p:txBody>
+      </p:sp>
+    </p:spTree>
+    <p:extLst>
+      <p:ext uri="{BB962C8B-B14F-4D97-AF65-F5344CB8AC3E}">
+        <p14:creationId xmlns:p14="http://schemas.microsoft.com/office/powerpoint/2010/main" val="311814758"/>
+      </p:ext>
+    </p:extLst>
+  </p:cSld>
+  <p:clrMapOvr>
+    <a:masterClrMapping/>
+  </p:clrMapOvr>
+</p:notes>
+</file>
+
+<file path=ppt/notesSlides/notesSlide14.xml><?xml version="1.0" encoding="utf-8"?>
+<p:notes xmlns:a="http://schemas.openxmlformats.org/drawingml/2006/main" xmlns:r="http://schemas.openxmlformats.org/officeDocument/2006/relationships" xmlns:p="http://schemas.openxmlformats.org/presentationml/2006/main">
+  <p:cSld>
+    <p:spTree>
+      <p:nvGrpSpPr>
+        <p:cNvPr id="1" name=""/>
+        <p:cNvGrpSpPr/>
+        <p:nvPr/>
+      </p:nvGrpSpPr>
+      <p:grpSpPr>
+        <a:xfrm>
+          <a:off x="0" y="0"/>
+          <a:ext cx="0" cy="0"/>
+          <a:chOff x="0" y="0"/>
+          <a:chExt cx="0" cy="0"/>
+        </a:xfrm>
+      </p:grpSpPr>
+      <p:sp>
+        <p:nvSpPr>
+          <p:cNvPr id="2" name="Slide Image Placeholder 1"/>
+          <p:cNvSpPr>
+            <a:spLocks noGrp="1" noRot="1" noChangeAspect="1"/>
+          </p:cNvSpPr>
+          <p:nvPr>
+            <p:ph type="sldImg"/>
+          </p:nvPr>
+        </p:nvSpPr>
+        <p:spPr>
+          <a:xfrm>
+            <a:off x="1143000" y="685800"/>
+            <a:ext cx="4572000" cy="3429000"/>
+          </a:xfrm>
+        </p:spPr>
+      </p:sp>
+      <p:sp>
+        <p:nvSpPr>
+          <p:cNvPr id="3" name="Notes Placeholder 2"/>
+          <p:cNvSpPr>
+            <a:spLocks noGrp="1"/>
+          </p:cNvSpPr>
+          <p:nvPr>
+            <p:ph type="body" idx="1"/>
+          </p:nvPr>
+        </p:nvSpPr>
+        <p:spPr/>
+        <p:txBody>
           <a:bodyPr>
             <a:normAutofit/>
           </a:bodyPr>
@@ -1097,7 +1829,7 @@
                   <a:prstClr val="black"/>
                 </a:solidFill>
               </a:rPr>
-              <a:t>19-Jun-18 2:43 AM</a:t>
+              <a:t>19-Jun-18 4:11 AM</a:t>
             </a:fld>
             <a:endParaRPr lang="en-US" dirty="0">
               <a:solidFill>
@@ -1129,7 +1861,207 @@
                 </a:solidFill>
               </a:rPr>
               <a:pPr/>
-              <a:t>10</a:t>
+              <a:t>16</a:t>
+            </a:fld>
+            <a:endParaRPr lang="en-US" dirty="0">
+              <a:solidFill>
+                <a:prstClr val="black"/>
+              </a:solidFill>
+            </a:endParaRPr>
+          </a:p>
+        </p:txBody>
+      </p:sp>
+      <p:sp>
+        <p:nvSpPr>
+          <p:cNvPr id="6" name="Footer Placeholder 5"/>
+          <p:cNvSpPr>
+            <a:spLocks noGrp="1"/>
+          </p:cNvSpPr>
+          <p:nvPr>
+            <p:ph type="ftr" sz="quarter" idx="14"/>
+          </p:nvPr>
+        </p:nvSpPr>
+        <p:spPr/>
+        <p:txBody>
+          <a:bodyPr/>
+          <a:lstStyle/>
+          <a:p>
+            <a:pPr defTabSz="914099" eaLnBrk="0" hangingPunct="0"/>
+            <a:r>
+              <a:rPr lang="en-US" sz="400" dirty="0">
+                <a:gradFill>
+                  <a:gsLst>
+                    <a:gs pos="0">
+                      <a:prstClr val="black"/>
+                    </a:gs>
+                    <a:gs pos="100000">
+                      <a:prstClr val="black"/>
+                    </a:gs>
+                  </a:gsLst>
+                  <a:lin ang="5400000" scaled="0"/>
+                </a:gradFill>
+                <a:latin typeface="Segoe UI" pitchFamily="34" charset="0"/>
+                <a:ea typeface="Segoe UI" pitchFamily="34" charset="0"/>
+                <a:cs typeface="Segoe UI" pitchFamily="34" charset="0"/>
+              </a:rPr>
+              <a:t>© Microsoft Corporation. All rights reserved. MICROSOFT MAKES NO WARRANTIES, EXPRESS, IMPLIED OR STATUTORY, AS TO THE INFORMATION IN THIS PRESENTATION.</a:t>
+            </a:r>
+          </a:p>
+        </p:txBody>
+      </p:sp>
+    </p:spTree>
+    <p:extLst>
+      <p:ext uri="{BB962C8B-B14F-4D97-AF65-F5344CB8AC3E}">
+        <p14:creationId xmlns:p14="http://schemas.microsoft.com/office/powerpoint/2010/main" val="2185510719"/>
+      </p:ext>
+    </p:extLst>
+  </p:cSld>
+  <p:clrMapOvr>
+    <a:masterClrMapping/>
+  </p:clrMapOvr>
+</p:notes>
+</file>
+
+<file path=ppt/notesSlides/notesSlide15.xml><?xml version="1.0" encoding="utf-8"?>
+<p:notes xmlns:a="http://schemas.openxmlformats.org/drawingml/2006/main" xmlns:r="http://schemas.openxmlformats.org/officeDocument/2006/relationships" xmlns:p="http://schemas.openxmlformats.org/presentationml/2006/main">
+  <p:cSld>
+    <p:spTree>
+      <p:nvGrpSpPr>
+        <p:cNvPr id="1" name=""/>
+        <p:cNvGrpSpPr/>
+        <p:nvPr/>
+      </p:nvGrpSpPr>
+      <p:grpSpPr>
+        <a:xfrm>
+          <a:off x="0" y="0"/>
+          <a:ext cx="0" cy="0"/>
+          <a:chOff x="0" y="0"/>
+          <a:chExt cx="0" cy="0"/>
+        </a:xfrm>
+      </p:grpSpPr>
+      <p:sp>
+        <p:nvSpPr>
+          <p:cNvPr id="2" name="Slide Image Placeholder 1"/>
+          <p:cNvSpPr>
+            <a:spLocks noGrp="1" noRot="1" noChangeAspect="1"/>
+          </p:cNvSpPr>
+          <p:nvPr>
+            <p:ph type="sldImg"/>
+          </p:nvPr>
+        </p:nvSpPr>
+        <p:spPr>
+          <a:xfrm>
+            <a:off x="1143000" y="685800"/>
+            <a:ext cx="4572000" cy="3429000"/>
+          </a:xfrm>
+        </p:spPr>
+      </p:sp>
+      <p:sp>
+        <p:nvSpPr>
+          <p:cNvPr id="3" name="Notes Placeholder 2"/>
+          <p:cNvSpPr>
+            <a:spLocks noGrp="1"/>
+          </p:cNvSpPr>
+          <p:nvPr>
+            <p:ph type="body" idx="1"/>
+          </p:nvPr>
+        </p:nvSpPr>
+        <p:spPr/>
+        <p:txBody>
+          <a:bodyPr>
+            <a:normAutofit/>
+          </a:bodyPr>
+          <a:lstStyle/>
+          <a:p>
+            <a:endParaRPr lang="en-US" dirty="0"/>
+          </a:p>
+        </p:txBody>
+      </p:sp>
+      <p:sp>
+        <p:nvSpPr>
+          <p:cNvPr id="4" name="Header Placeholder 3"/>
+          <p:cNvSpPr>
+            <a:spLocks noGrp="1"/>
+          </p:cNvSpPr>
+          <p:nvPr>
+            <p:ph type="hdr" sz="quarter" idx="10"/>
+          </p:nvPr>
+        </p:nvSpPr>
+        <p:spPr>
+          <a:xfrm>
+            <a:off x="0" y="0"/>
+            <a:ext cx="2971800" cy="457200"/>
+          </a:xfrm>
+          <a:prstGeom prst="rect">
+            <a:avLst/>
+          </a:prstGeom>
+        </p:spPr>
+        <p:txBody>
+          <a:bodyPr/>
+          <a:lstStyle/>
+          <a:p>
+            <a:endParaRPr lang="en-US" dirty="0">
+              <a:solidFill>
+                <a:prstClr val="black"/>
+              </a:solidFill>
+            </a:endParaRPr>
+          </a:p>
+        </p:txBody>
+      </p:sp>
+      <p:sp>
+        <p:nvSpPr>
+          <p:cNvPr id="5" name="Date Placeholder 4"/>
+          <p:cNvSpPr>
+            <a:spLocks noGrp="1"/>
+          </p:cNvSpPr>
+          <p:nvPr>
+            <p:ph type="dt" idx="11"/>
+          </p:nvPr>
+        </p:nvSpPr>
+        <p:spPr/>
+        <p:txBody>
+          <a:bodyPr/>
+          <a:lstStyle/>
+          <a:p>
+            <a:fld id="{0ECFDC7D-F4BE-4668-920D-08874925A5D7}" type="datetime8">
+              <a:rPr lang="en-US" smtClean="0">
+                <a:solidFill>
+                  <a:prstClr val="black"/>
+                </a:solidFill>
+              </a:rPr>
+              <a:t>19-Jun-18 4:11 AM</a:t>
+            </a:fld>
+            <a:endParaRPr lang="en-US" dirty="0">
+              <a:solidFill>
+                <a:prstClr val="black"/>
+              </a:solidFill>
+            </a:endParaRPr>
+          </a:p>
+        </p:txBody>
+      </p:sp>
+      <p:sp>
+        <p:nvSpPr>
+          <p:cNvPr id="7" name="Slide Number Placeholder 6"/>
+          <p:cNvSpPr>
+            <a:spLocks noGrp="1"/>
+          </p:cNvSpPr>
+          <p:nvPr>
+            <p:ph type="sldNum" sz="quarter" idx="13"/>
+          </p:nvPr>
+        </p:nvSpPr>
+        <p:spPr/>
+        <p:txBody>
+          <a:bodyPr/>
+          <a:lstStyle/>
+          <a:p>
+            <a:fld id="{EC87E0CF-87F6-4B58-B8B8-DCAB2DAAF3CA}" type="slidenum">
+              <a:rPr lang="en-US" smtClean="0">
+                <a:solidFill>
+                  <a:prstClr val="black"/>
+                </a:solidFill>
+              </a:rPr>
+              <a:pPr/>
+              <a:t>17</a:t>
             </a:fld>
             <a:endParaRPr lang="en-US" dirty="0">
               <a:solidFill>
@@ -1408,7 +2340,7 @@
           <a:p>
             <a:fld id="{386CE63F-9E7F-4C04-9D0D-FCA25A8E9E86}" type="datetime8">
               <a:rPr lang="en-US" smtClean="0"/>
-              <a:t>18-Jun-18 8:29 PM</a:t>
+              <a:t>19-Jun-18 4:11 AM</a:t>
             </a:fld>
             <a:endParaRPr lang="en-US" dirty="0"/>
           </a:p>
@@ -1432,7 +2364,7 @@
             <a:fld id="{B4008EB6-D09E-4580-8CD6-DDB14511944F}" type="slidenum">
               <a:rPr lang="en-US" smtClean="0"/>
               <a:pPr/>
-              <a:t>2</a:t>
+              <a:t>3</a:t>
             </a:fld>
             <a:endParaRPr lang="en-US" dirty="0"/>
           </a:p>
@@ -1809,7 +2741,7 @@
           <a:p>
             <a:fld id="{9427A7F7-BB1E-479D-AFAA-B52F4D0C99F2}" type="datetime8">
               <a:rPr lang="en-US" smtClean="0"/>
-              <a:t>18-Jun-18 8:53 PM</a:t>
+              <a:t>19-Jun-18 4:11 AM</a:t>
             </a:fld>
             <a:endParaRPr lang="en-US" dirty="0"/>
           </a:p>
@@ -1833,7 +2765,7 @@
             <a:fld id="{B4008EB6-D09E-4580-8CD6-DDB14511944F}" type="slidenum">
               <a:rPr lang="en-US" smtClean="0"/>
               <a:pPr/>
-              <a:t>3</a:t>
+              <a:t>4</a:t>
             </a:fld>
             <a:endParaRPr lang="en-US" dirty="0"/>
           </a:p>
@@ -2106,7 +3038,7 @@
           <a:p>
             <a:fld id="{72E0C910-0166-48E0-B8EF-5071277A02A8}" type="datetime8">
               <a:rPr lang="en-US" smtClean="0"/>
-              <a:t>18-Jun-18 8:37 PM</a:t>
+              <a:t>19-Jun-18 4:11 AM</a:t>
             </a:fld>
             <a:endParaRPr lang="en-US" dirty="0"/>
           </a:p>
@@ -2130,7 +3062,7 @@
             <a:fld id="{B4008EB6-D09E-4580-8CD6-DDB14511944F}" type="slidenum">
               <a:rPr lang="en-US" smtClean="0"/>
               <a:pPr/>
-              <a:t>4</a:t>
+              <a:t>5</a:t>
             </a:fld>
             <a:endParaRPr lang="en-US" dirty="0"/>
           </a:p>
@@ -2220,7 +3152,7 @@
             <a:fld id="{B4008EB6-D09E-4580-8CD6-DDB14511944F}" type="slidenum">
               <a:rPr lang="en-US" smtClean="0"/>
               <a:pPr/>
-              <a:t>5</a:t>
+              <a:t>6</a:t>
             </a:fld>
             <a:endParaRPr lang="en-US" dirty="0"/>
           </a:p>
@@ -2243,7 +3175,7 @@
           <a:p>
             <a:fld id="{D44C3489-8257-4E60-994D-6A5CEE67ED71}" type="datetime8">
               <a:rPr lang="en-US" smtClean="0"/>
-              <a:t>19-Jun-18 2:29 AM</a:t>
+              <a:t>19-Jun-18 4:37 AM</a:t>
             </a:fld>
             <a:endParaRPr lang="en-US" dirty="0"/>
           </a:p>
@@ -2494,7 +3426,7 @@
           <a:p>
             <a:fld id="{B16574EE-8191-4BCC-ABE6-D00A4F4D7690}" type="datetime8">
               <a:rPr lang="en-US" smtClean="0"/>
-              <a:t>18-Jun-18 10:32 PM</a:t>
+              <a:t>19-Jun-18 4:11 AM</a:t>
             </a:fld>
             <a:endParaRPr lang="en-US" dirty="0"/>
           </a:p>
@@ -2518,7 +3450,7 @@
             <a:fld id="{B4008EB6-D09E-4580-8CD6-DDB14511944F}" type="slidenum">
               <a:rPr lang="en-US" smtClean="0"/>
               <a:pPr/>
-              <a:t>6</a:t>
+              <a:t>7</a:t>
             </a:fld>
             <a:endParaRPr lang="en-US" dirty="0"/>
           </a:p>
@@ -2608,7 +3540,7 @@
             <a:fld id="{B4008EB6-D09E-4580-8CD6-DDB14511944F}" type="slidenum">
               <a:rPr lang="en-US" smtClean="0"/>
               <a:pPr/>
-              <a:t>7</a:t>
+              <a:t>8</a:t>
             </a:fld>
             <a:endParaRPr lang="en-US" dirty="0"/>
           </a:p>
@@ -2631,7 +3563,7 @@
           <a:p>
             <a:fld id="{D44C3489-8257-4E60-994D-6A5CEE67ED71}" type="datetime8">
               <a:rPr lang="en-US" smtClean="0"/>
-              <a:t>19-Jun-18 2:27 AM</a:t>
+              <a:t>19-Jun-18 4:11 AM</a:t>
             </a:fld>
             <a:endParaRPr lang="en-US" dirty="0"/>
           </a:p>
@@ -2756,18 +3688,134 @@
           <a:bodyPr/>
           <a:lstStyle/>
           <a:p>
+            <a:pPr marL="171450" indent="-171450">
+              <a:buFont typeface="Arial" panose="020B0604020202020204" pitchFamily="34" charset="0"/>
+              <a:buChar char="•"/>
+            </a:pPr>
+            <a:r>
+              <a:rPr lang="en-US" dirty="0"/>
+              <a:t>Bait and switch to reduce the number of assemblies to just 1</a:t>
+            </a:r>
+          </a:p>
+          <a:p>
+            <a:pPr marL="171450" indent="-171450">
+              <a:buFont typeface="Arial" panose="020B0604020202020204" pitchFamily="34" charset="0"/>
+              <a:buChar char="•"/>
+            </a:pPr>
+            <a:r>
+              <a:rPr lang="en-US" dirty="0"/>
+              <a:t>Interfaces</a:t>
+            </a:r>
+          </a:p>
+          <a:p>
+            <a:pPr marL="384432" lvl="1" indent="-171450">
+              <a:buFont typeface="Arial" panose="020B0604020202020204" pitchFamily="34" charset="0"/>
+              <a:buChar char="•"/>
+            </a:pPr>
+            <a:r>
+              <a:rPr lang="en-US" dirty="0"/>
+              <a:t>Interfaces are relatively expensive</a:t>
+            </a:r>
+          </a:p>
+          <a:p>
+            <a:pPr marL="384432" lvl="1" indent="-171450">
+              <a:buFont typeface="Arial" panose="020B0604020202020204" pitchFamily="34" charset="0"/>
+              <a:buChar char="•"/>
+            </a:pPr>
+            <a:r>
+              <a:rPr lang="en-US" dirty="0"/>
+              <a:t>Most developers just create their own interfaces anyway</a:t>
+            </a:r>
+          </a:p>
+          <a:p>
+            <a:pPr marL="171450" indent="-171450">
+              <a:buFont typeface="Arial" panose="020B0604020202020204" pitchFamily="34" charset="0"/>
+              <a:buChar char="•"/>
+            </a:pPr>
+            <a:r>
+              <a:rPr lang="en-US" dirty="0"/>
+              <a:t>Multitargeting</a:t>
+            </a:r>
+          </a:p>
+          <a:p>
+            <a:pPr marL="384432" lvl="1" indent="-171450">
+              <a:buFont typeface="Arial" panose="020B0604020202020204" pitchFamily="34" charset="0"/>
+              <a:buChar char="•"/>
+            </a:pPr>
+            <a:r>
+              <a:rPr lang="en-US" dirty="0"/>
+              <a:t>To reduce the number of projects</a:t>
+            </a:r>
+          </a:p>
+          <a:p>
+            <a:pPr marL="384432" lvl="1" indent="-171450">
+              <a:buFont typeface="Arial" panose="020B0604020202020204" pitchFamily="34" charset="0"/>
+              <a:buChar char="•"/>
+            </a:pPr>
+            <a:r>
+              <a:rPr lang="en-US" dirty="0"/>
+              <a:t>Make use of the new NuGet features of </a:t>
+            </a:r>
+            <a:r>
+              <a:rPr lang="en-US" dirty="0" err="1"/>
+              <a:t>MSBuild</a:t>
+            </a:r>
+            <a:r>
+              <a:rPr lang="en-US" dirty="0"/>
+              <a:t> (/</a:t>
+            </a:r>
+            <a:r>
+              <a:rPr lang="en-US" dirty="0" err="1"/>
+              <a:t>t:pack</a:t>
+            </a:r>
+            <a:r>
+              <a:rPr lang="en-US" dirty="0"/>
+              <a:t>)</a:t>
+            </a:r>
+          </a:p>
+          <a:p>
+            <a:pPr marL="171450" lvl="0" indent="-171450">
+              <a:buFont typeface="Arial" panose="020B0604020202020204" pitchFamily="34" charset="0"/>
+              <a:buChar char="•"/>
+            </a:pPr>
+            <a:r>
+              <a:rPr lang="en-US" dirty="0"/>
+              <a:t>Wildcards and file name conventions to make the build really </a:t>
+            </a:r>
+            <a:r>
+              <a:rPr lang="en-US" dirty="0" err="1"/>
+              <a:t>converntion</a:t>
+            </a:r>
+            <a:r>
+              <a:rPr lang="en-US" dirty="0"/>
+              <a:t>-based</a:t>
+            </a:r>
+          </a:p>
+          <a:p>
+            <a:pPr marL="171450" lvl="0" indent="-171450">
+              <a:buFont typeface="Arial" panose="020B0604020202020204" pitchFamily="34" charset="0"/>
+              <a:buChar char="•"/>
+            </a:pPr>
+            <a:r>
+              <a:rPr lang="en-US" sz="900" dirty="0" err="1"/>
+              <a:t>MSBuild.Sdk.Extras</a:t>
+            </a:r>
+            <a:r>
+              <a:rPr lang="en-US" sz="900" dirty="0"/>
+              <a:t> is a NuGet written by an MVP () which basically makes SDK-style projects with all platforms</a:t>
+            </a:r>
             <a:endParaRPr lang="en-US" dirty="0"/>
           </a:p>
         </p:txBody>
       </p:sp>
       <p:sp>
         <p:nvSpPr>
-          <p:cNvPr id="4" name="Header Placeholder 3"/>
+          <p:cNvPr id="6" name="Slide Number Placeholder 5"/>
           <p:cNvSpPr>
             <a:spLocks noGrp="1"/>
           </p:cNvSpPr>
           <p:nvPr>
-            <p:ph type="hdr" sz="quarter" idx="10"/>
+            <p:ph type="sldNum" sz="quarter" idx="12"/>
           </p:nvPr>
         </p:nvSpPr>
         <p:spPr/>
@@ -2775,18 +3823,46 @@
           <a:bodyPr/>
           <a:lstStyle/>
           <a:p>
+            <a:fld id="{B4008EB6-D09E-4580-8CD6-DDB14511944F}" type="slidenum">
+              <a:rPr lang="en-US" smtClean="0"/>
+              <a:pPr/>
+              <a:t>10</a:t>
+            </a:fld>
             <a:endParaRPr lang="en-US" dirty="0"/>
           </a:p>
         </p:txBody>
       </p:sp>
       <p:sp>
         <p:nvSpPr>
-          <p:cNvPr id="5" name="Footer Placeholder 4"/>
+          <p:cNvPr id="10" name="Date Placeholder 9"/>
           <p:cNvSpPr>
             <a:spLocks noGrp="1"/>
           </p:cNvSpPr>
           <p:nvPr>
-            <p:ph type="ftr" sz="quarter" idx="11"/>
+            <p:ph type="dt" idx="13"/>
+          </p:nvPr>
+        </p:nvSpPr>
+        <p:spPr/>
+        <p:txBody>
+          <a:bodyPr/>
+          <a:lstStyle/>
+          <a:p>
+            <a:fld id="{D44C3489-8257-4E60-994D-6A5CEE67ED71}" type="datetime8">
+              <a:rPr lang="en-US" smtClean="0"/>
+              <a:t>19-Jun-18 4:22 AM</a:t>
+            </a:fld>
+            <a:endParaRPr lang="en-US" dirty="0"/>
+          </a:p>
+        </p:txBody>
+      </p:sp>
+      <p:sp>
+        <p:nvSpPr>
+          <p:cNvPr id="4" name="Footer Placeholder 3"/>
+          <p:cNvSpPr>
+            <a:spLocks noGrp="1"/>
+          </p:cNvSpPr>
+          <p:nvPr>
+            <p:ph type="ftr" sz="quarter" idx="14"/>
           </p:nvPr>
         </p:nvSpPr>
         <p:spPr/>
@@ -2819,12 +3895,12 @@
       </p:sp>
       <p:sp>
         <p:nvSpPr>
-          <p:cNvPr id="6" name="Date Placeholder 5"/>
+          <p:cNvPr id="5" name="Header Placeholder 4"/>
           <p:cNvSpPr>
             <a:spLocks noGrp="1"/>
           </p:cNvSpPr>
           <p:nvPr>
-            <p:ph type="dt" idx="12"/>
+            <p:ph type="hdr" sz="quarter" idx="15"/>
           </p:nvPr>
         </p:nvSpPr>
         <p:spPr/>
@@ -2832,34 +3908,6 @@
           <a:bodyPr/>
           <a:lstStyle/>
           <a:p>
-            <a:fld id="{9427A7F7-BB1E-479D-AFAA-B52F4D0C99F2}" type="datetime8">
-              <a:rPr lang="en-US" smtClean="0"/>
-              <a:t>19-Jun-18 2:33 AM</a:t>
-            </a:fld>
-            <a:endParaRPr lang="en-US" dirty="0"/>
-          </a:p>
-        </p:txBody>
-      </p:sp>
-      <p:sp>
-        <p:nvSpPr>
-          <p:cNvPr id="7" name="Slide Number Placeholder 6"/>
-          <p:cNvSpPr>
-            <a:spLocks noGrp="1"/>
-          </p:cNvSpPr>
-          <p:nvPr>
-            <p:ph type="sldNum" sz="quarter" idx="13"/>
-          </p:nvPr>
-        </p:nvSpPr>
-        <p:spPr/>
-        <p:txBody>
-          <a:bodyPr/>
-          <a:lstStyle/>
-          <a:p>
-            <a:fld id="{B4008EB6-D09E-4580-8CD6-DDB14511944F}" type="slidenum">
-              <a:rPr lang="en-US" smtClean="0"/>
-              <a:pPr/>
-              <a:t>8</a:t>
-            </a:fld>
             <a:endParaRPr lang="en-US" dirty="0"/>
           </a:p>
         </p:txBody>
@@ -2867,7 +3915,7 @@
     </p:spTree>
     <p:extLst>
       <p:ext uri="{BB962C8B-B14F-4D97-AF65-F5344CB8AC3E}">
-        <p14:creationId xmlns:p14="http://schemas.microsoft.com/office/powerpoint/2010/main" val="311814758"/>
+        <p14:creationId xmlns:p14="http://schemas.microsoft.com/office/powerpoint/2010/main" val="978893763"/>
       </p:ext>
     </p:extLst>
   </p:cSld>
@@ -2923,9 +3971,7 @@
         </p:nvSpPr>
         <p:spPr/>
         <p:txBody>
-          <a:bodyPr>
-            <a:normAutofit/>
-          </a:bodyPr>
+          <a:bodyPr/>
           <a:lstStyle/>
           <a:p>
             <a:endParaRPr lang="en-US" dirty="0"/>
@@ -2934,43 +3980,12 @@
       </p:sp>
       <p:sp>
         <p:nvSpPr>
-          <p:cNvPr id="4" name="Header Placeholder 3"/>
+          <p:cNvPr id="6" name="Slide Number Placeholder 5"/>
           <p:cNvSpPr>
             <a:spLocks noGrp="1"/>
           </p:cNvSpPr>
           <p:nvPr>
-            <p:ph type="hdr" sz="quarter" idx="10"/>
-          </p:nvPr>
-        </p:nvSpPr>
-        <p:spPr>
-          <a:xfrm>
-            <a:off x="0" y="0"/>
-            <a:ext cx="2971800" cy="457200"/>
-          </a:xfrm>
-          <a:prstGeom prst="rect">
-            <a:avLst/>
-          </a:prstGeom>
-        </p:spPr>
-        <p:txBody>
-          <a:bodyPr/>
-          <a:lstStyle/>
-          <a:p>
-            <a:endParaRPr lang="en-US" dirty="0">
-              <a:solidFill>
-                <a:prstClr val="black"/>
-              </a:solidFill>
-            </a:endParaRPr>
-          </a:p>
-        </p:txBody>
-      </p:sp>
-      <p:sp>
-        <p:nvSpPr>
-          <p:cNvPr id="5" name="Date Placeholder 4"/>
-          <p:cNvSpPr>
-            <a:spLocks noGrp="1"/>
-          </p:cNvSpPr>
-          <p:nvPr>
-            <p:ph type="dt" idx="11"/>
+            <p:ph type="sldNum" sz="quarter" idx="12"/>
           </p:nvPr>
         </p:nvSpPr>
         <p:spPr/>
@@ -2978,30 +3993,23 @@
           <a:bodyPr/>
           <a:lstStyle/>
           <a:p>
-            <a:fld id="{0ECFDC7D-F4BE-4668-920D-08874925A5D7}" type="datetime8">
-              <a:rPr lang="en-US" smtClean="0">
-                <a:solidFill>
-                  <a:prstClr val="black"/>
-                </a:solidFill>
-              </a:rPr>
-              <a:t>18-Jun-18 6:28 PM</a:t>
+            <a:fld id="{B4008EB6-D09E-4580-8CD6-DDB14511944F}" type="slidenum">
+              <a:rPr lang="en-US" smtClean="0"/>
+              <a:pPr/>
+              <a:t>11</a:t>
             </a:fld>
-            <a:endParaRPr lang="en-US" dirty="0">
-              <a:solidFill>
-                <a:prstClr val="black"/>
-              </a:solidFill>
-            </a:endParaRPr>
+            <a:endParaRPr lang="en-US" dirty="0"/>
           </a:p>
         </p:txBody>
       </p:sp>
       <p:sp>
         <p:nvSpPr>
-          <p:cNvPr id="7" name="Slide Number Placeholder 6"/>
+          <p:cNvPr id="10" name="Date Placeholder 9"/>
           <p:cNvSpPr>
             <a:spLocks noGrp="1"/>
           </p:cNvSpPr>
           <p:nvPr>
-            <p:ph type="sldNum" sz="quarter" idx="13"/>
+            <p:ph type="dt" idx="13"/>
           </p:nvPr>
         </p:nvSpPr>
         <p:spPr/>
@@ -3009,26 +4017,17 @@
           <a:bodyPr/>
           <a:lstStyle/>
           <a:p>
-            <a:fld id="{EC87E0CF-87F6-4B58-B8B8-DCAB2DAAF3CA}" type="slidenum">
-              <a:rPr lang="en-US" smtClean="0">
-                <a:solidFill>
-                  <a:prstClr val="black"/>
-                </a:solidFill>
-              </a:rPr>
-              <a:pPr/>
-              <a:t>9</a:t>
+            <a:fld id="{D44C3489-8257-4E60-994D-6A5CEE67ED71}" type="datetime8">
+              <a:rPr lang="en-US" smtClean="0"/>
+              <a:t>19-Jun-18 4:21 AM</a:t>
             </a:fld>
-            <a:endParaRPr lang="en-US" dirty="0">
-              <a:solidFill>
-                <a:prstClr val="black"/>
-              </a:solidFill>
-            </a:endParaRPr>
+            <a:endParaRPr lang="en-US" dirty="0"/>
           </a:p>
         </p:txBody>
       </p:sp>
       <p:sp>
         <p:nvSpPr>
-          <p:cNvPr id="6" name="Footer Placeholder 5"/>
+          <p:cNvPr id="4" name="Footer Placeholder 3"/>
           <p:cNvSpPr>
             <a:spLocks noGrp="1"/>
           </p:cNvSpPr>
@@ -3064,10 +4063,29 @@
           </a:p>
         </p:txBody>
       </p:sp>
+      <p:sp>
+        <p:nvSpPr>
+          <p:cNvPr id="5" name="Header Placeholder 4"/>
+          <p:cNvSpPr>
+            <a:spLocks noGrp="1"/>
+          </p:cNvSpPr>
+          <p:nvPr>
+            <p:ph type="hdr" sz="quarter" idx="15"/>
+          </p:nvPr>
+        </p:nvSpPr>
+        <p:spPr/>
+        <p:txBody>
+          <a:bodyPr/>
+          <a:lstStyle/>
+          <a:p>
+            <a:endParaRPr lang="en-US" dirty="0"/>
+          </a:p>
+        </p:txBody>
+      </p:sp>
     </p:spTree>
     <p:extLst>
       <p:ext uri="{BB962C8B-B14F-4D97-AF65-F5344CB8AC3E}">
-        <p14:creationId xmlns:p14="http://schemas.microsoft.com/office/powerpoint/2010/main" val="2185510719"/>
+        <p14:creationId xmlns:p14="http://schemas.microsoft.com/office/powerpoint/2010/main" val="3472125349"/>
       </p:ext>
     </p:extLst>
   </p:cSld>
@@ -16270,6 +17288,1381 @@
           <a:chExt cx="0" cy="0"/>
         </a:xfrm>
       </p:grpSpPr>
+      <p:sp>
+        <p:nvSpPr>
+          <p:cNvPr id="4" name="Title 3"/>
+          <p:cNvSpPr>
+            <a:spLocks noGrp="1"/>
+          </p:cNvSpPr>
+          <p:nvPr>
+            <p:ph type="title"/>
+          </p:nvPr>
+        </p:nvSpPr>
+        <p:spPr/>
+        <p:txBody>
+          <a:bodyPr/>
+          <a:lstStyle/>
+          <a:p>
+            <a:r>
+              <a:rPr lang="en-US" dirty="0"/>
+              <a:t>How does </a:t>
+            </a:r>
+            <a:r>
+              <a:rPr lang="en-US" dirty="0" err="1"/>
+              <a:t>Xamarin.Essentials</a:t>
+            </a:r>
+            <a:r>
+              <a:rPr lang="en-US" dirty="0"/>
+              <a:t> Work?</a:t>
+            </a:r>
+          </a:p>
+        </p:txBody>
+      </p:sp>
+      <p:sp>
+        <p:nvSpPr>
+          <p:cNvPr id="5" name="Text Placeholder 4"/>
+          <p:cNvSpPr>
+            <a:spLocks noGrp="1"/>
+          </p:cNvSpPr>
+          <p:nvPr>
+            <p:ph type="body" sz="quarter" idx="10"/>
+          </p:nvPr>
+        </p:nvSpPr>
+        <p:spPr>
+          <a:xfrm>
+            <a:off x="584200" y="1435498"/>
+            <a:ext cx="7974011" cy="3200876"/>
+          </a:xfrm>
+        </p:spPr>
+        <p:txBody>
+          <a:bodyPr/>
+          <a:lstStyle/>
+          <a:p>
+            <a:r>
+              <a:rPr lang="en-US" dirty="0"/>
+              <a:t>Very simple!</a:t>
+            </a:r>
+          </a:p>
+          <a:p>
+            <a:r>
+              <a:rPr lang="en-US" dirty="0"/>
+              <a:t>Bait-and-switch pattern</a:t>
+            </a:r>
+          </a:p>
+          <a:p>
+            <a:r>
+              <a:rPr lang="en-US" dirty="0"/>
+              <a:t>No interfaces or more abstractions</a:t>
+            </a:r>
+          </a:p>
+          <a:p>
+            <a:r>
+              <a:rPr lang="en-US" dirty="0"/>
+              <a:t>Multi-targeting project</a:t>
+            </a:r>
+          </a:p>
+          <a:p>
+            <a:r>
+              <a:rPr lang="en-US" dirty="0"/>
+              <a:t>Wildcards</a:t>
+            </a:r>
+          </a:p>
+          <a:p>
+            <a:r>
+              <a:rPr lang="en-US" dirty="0"/>
+              <a:t>Using “</a:t>
+            </a:r>
+            <a:r>
+              <a:rPr lang="en-US" dirty="0" err="1"/>
+              <a:t>MSBuild.Sdk.Extras</a:t>
+            </a:r>
+            <a:r>
+              <a:rPr lang="en-US" dirty="0"/>
+              <a:t>” until </a:t>
+            </a:r>
+            <a:r>
+              <a:rPr lang="en-US" dirty="0" err="1"/>
+              <a:t>MSBuild</a:t>
+            </a:r>
+            <a:r>
+              <a:rPr lang="en-US" dirty="0"/>
+              <a:t> catches up with the universe</a:t>
+            </a:r>
+          </a:p>
+        </p:txBody>
+      </p:sp>
+    </p:spTree>
+    <p:extLst>
+      <p:ext uri="{BB962C8B-B14F-4D97-AF65-F5344CB8AC3E}">
+        <p14:creationId xmlns:p14="http://schemas.microsoft.com/office/powerpoint/2010/main" val="929810715"/>
+      </p:ext>
+    </p:extLst>
+  </p:cSld>
+  <p:clrMapOvr>
+    <a:masterClrMapping/>
+  </p:clrMapOvr>
+  <mc:AlternateContent xmlns:mc="http://schemas.openxmlformats.org/markup-compatibility/2006" xmlns:p14="http://schemas.microsoft.com/office/powerpoint/2010/main">
+    <mc:Choice Requires="p14">
+      <p:transition spd="med" p14:dur="700">
+        <p:fade/>
+      </p:transition>
+    </mc:Choice>
+    <mc:Fallback xmlns="">
+      <p:transition spd="med">
+        <p:fade/>
+      </p:transition>
+    </mc:Fallback>
+  </mc:AlternateContent>
+</p:sld>
+</file>
+
+<file path=ppt/slides/slide11.xml><?xml version="1.0" encoding="utf-8"?>
+<p:sld xmlns:a="http://schemas.openxmlformats.org/drawingml/2006/main" xmlns:r="http://schemas.openxmlformats.org/officeDocument/2006/relationships" xmlns:p="http://schemas.openxmlformats.org/presentationml/2006/main">
+  <p:cSld>
+    <p:spTree>
+      <p:nvGrpSpPr>
+        <p:cNvPr id="1" name=""/>
+        <p:cNvGrpSpPr/>
+        <p:nvPr/>
+      </p:nvGrpSpPr>
+      <p:grpSpPr>
+        <a:xfrm>
+          <a:off x="0" y="0"/>
+          <a:ext cx="0" cy="0"/>
+          <a:chOff x="0" y="0"/>
+          <a:chExt cx="0" cy="0"/>
+        </a:xfrm>
+      </p:grpSpPr>
+      <p:sp>
+        <p:nvSpPr>
+          <p:cNvPr id="4" name="Title 3"/>
+          <p:cNvSpPr>
+            <a:spLocks noGrp="1"/>
+          </p:cNvSpPr>
+          <p:nvPr>
+            <p:ph type="title"/>
+          </p:nvPr>
+        </p:nvSpPr>
+        <p:spPr/>
+        <p:txBody>
+          <a:bodyPr/>
+          <a:lstStyle/>
+          <a:p>
+            <a:r>
+              <a:rPr lang="en-US" dirty="0"/>
+              <a:t>Sample </a:t>
+            </a:r>
+            <a:r>
+              <a:rPr lang="en-US" dirty="0" err="1"/>
+              <a:t>Xamarin.Essentials.csproj</a:t>
+            </a:r>
+            <a:endParaRPr lang="en-US" dirty="0"/>
+          </a:p>
+        </p:txBody>
+      </p:sp>
+      <p:sp>
+        <p:nvSpPr>
+          <p:cNvPr id="5" name="Text Placeholder 4"/>
+          <p:cNvSpPr>
+            <a:spLocks noGrp="1"/>
+          </p:cNvSpPr>
+          <p:nvPr>
+            <p:ph type="body" sz="quarter" idx="10"/>
+          </p:nvPr>
+        </p:nvSpPr>
+        <p:spPr>
+          <a:xfrm>
+            <a:off x="290513" y="1436691"/>
+            <a:ext cx="8561387" cy="5059847"/>
+          </a:xfrm>
+        </p:spPr>
+        <p:txBody>
+          <a:bodyPr/>
+          <a:lstStyle/>
+          <a:p>
+            <a:r>
+              <a:rPr lang="en-US" sz="1200" dirty="0"/>
+              <a:t>&lt;Project </a:t>
+            </a:r>
+            <a:r>
+              <a:rPr lang="en-US" sz="1200" dirty="0" err="1"/>
+              <a:t>Sdk</a:t>
+            </a:r>
+            <a:r>
+              <a:rPr lang="en-US" sz="1200" dirty="0"/>
+              <a:t>="</a:t>
+            </a:r>
+            <a:r>
+              <a:rPr lang="en-US" sz="1200" dirty="0" err="1"/>
+              <a:t>Microsoft.NET.Sdk</a:t>
+            </a:r>
+            <a:r>
+              <a:rPr lang="en-US" sz="1200" dirty="0"/>
+              <a:t>&gt;</a:t>
+            </a:r>
+          </a:p>
+          <a:p>
+            <a:endParaRPr lang="en-US" sz="1200" dirty="0"/>
+          </a:p>
+          <a:p>
+            <a:r>
+              <a:rPr lang="en-US" sz="1200" dirty="0"/>
+              <a:t>  &lt;</a:t>
+            </a:r>
+            <a:r>
+              <a:rPr lang="en-US" sz="1200" dirty="0" err="1"/>
+              <a:t>PropertyGroup</a:t>
+            </a:r>
+            <a:r>
+              <a:rPr lang="en-US" sz="1200" dirty="0"/>
+              <a:t>&gt;</a:t>
+            </a:r>
+          </a:p>
+          <a:p>
+            <a:r>
+              <a:rPr lang="en-US" sz="1200" dirty="0"/>
+              <a:t>    &lt;</a:t>
+            </a:r>
+            <a:r>
+              <a:rPr lang="en-US" sz="1200" dirty="0" err="1"/>
+              <a:t>TargetFrameworks</a:t>
+            </a:r>
+            <a:r>
+              <a:rPr lang="en-US" sz="1200" dirty="0"/>
+              <a:t>&gt;netstandard2.0;Xamarin.iOS10;MonoAndroid81;uap10.0.16299&lt;/</a:t>
+            </a:r>
+            <a:r>
+              <a:rPr lang="en-US" sz="1200" dirty="0" err="1"/>
+              <a:t>TargetFrameworks</a:t>
+            </a:r>
+            <a:r>
+              <a:rPr lang="en-US" sz="1200" dirty="0"/>
+              <a:t>&gt;</a:t>
+            </a:r>
+          </a:p>
+          <a:p>
+            <a:r>
+              <a:rPr lang="en-US" sz="1200" dirty="0"/>
+              <a:t>  &lt;/</a:t>
+            </a:r>
+            <a:r>
+              <a:rPr lang="en-US" sz="1200" dirty="0" err="1"/>
+              <a:t>PropertyGroup</a:t>
+            </a:r>
+            <a:r>
+              <a:rPr lang="en-US" sz="1200" dirty="0"/>
+              <a:t>&gt;</a:t>
+            </a:r>
+          </a:p>
+          <a:p>
+            <a:endParaRPr lang="en-US" sz="1200" dirty="0"/>
+          </a:p>
+          <a:p>
+            <a:r>
+              <a:rPr lang="en-US" sz="1200" dirty="0"/>
+              <a:t>  &lt;</a:t>
+            </a:r>
+            <a:r>
+              <a:rPr lang="en-US" sz="1200" dirty="0" err="1"/>
+              <a:t>ItemGroup</a:t>
+            </a:r>
+            <a:r>
+              <a:rPr lang="en-US" sz="1200" dirty="0"/>
+              <a:t>&gt;</a:t>
+            </a:r>
+          </a:p>
+          <a:p>
+            <a:r>
+              <a:rPr lang="en-US" sz="1200" dirty="0"/>
+              <a:t>    &lt;</a:t>
+            </a:r>
+            <a:r>
+              <a:rPr lang="en-US" sz="1200" dirty="0" err="1"/>
+              <a:t>PackageReference</a:t>
+            </a:r>
+            <a:r>
+              <a:rPr lang="en-US" sz="1200" dirty="0"/>
+              <a:t> Include="</a:t>
+            </a:r>
+            <a:r>
+              <a:rPr lang="en-US" sz="1200" dirty="0" err="1"/>
+              <a:t>MSBuild.Sdk.Extras</a:t>
+            </a:r>
+            <a:r>
+              <a:rPr lang="en-US" sz="1200" dirty="0"/>
+              <a:t>" Version="1.4.0" </a:t>
+            </a:r>
+            <a:r>
+              <a:rPr lang="en-US" sz="1200" dirty="0" err="1"/>
+              <a:t>PrivateAssets</a:t>
+            </a:r>
+            <a:r>
+              <a:rPr lang="en-US" sz="1200" dirty="0"/>
+              <a:t>="All" /&gt;</a:t>
+            </a:r>
+          </a:p>
+          <a:p>
+            <a:r>
+              <a:rPr lang="en-US" sz="1200" dirty="0"/>
+              <a:t>    &lt;</a:t>
+            </a:r>
+            <a:r>
+              <a:rPr lang="en-US" sz="1200" dirty="0" err="1"/>
+              <a:t>PackageReference</a:t>
+            </a:r>
+            <a:r>
+              <a:rPr lang="en-US" sz="1200" dirty="0"/>
+              <a:t> Include="</a:t>
+            </a:r>
+            <a:r>
+              <a:rPr lang="en-US" sz="1200" dirty="0" err="1"/>
+              <a:t>System.Numerics.Vectors</a:t>
+            </a:r>
+            <a:r>
+              <a:rPr lang="en-US" sz="1200" dirty="0"/>
+              <a:t>" Version="4.5.0" /&gt;</a:t>
+            </a:r>
+          </a:p>
+          <a:p>
+            <a:r>
+              <a:rPr lang="en-US" sz="1200" dirty="0"/>
+              <a:t>    &lt;Compile Include="**\*.</a:t>
+            </a:r>
+            <a:r>
+              <a:rPr lang="en-US" sz="1200" dirty="0" err="1"/>
+              <a:t>shared.cs</a:t>
+            </a:r>
+            <a:r>
+              <a:rPr lang="en-US" sz="1200" dirty="0"/>
+              <a:t>" /&gt;</a:t>
+            </a:r>
+          </a:p>
+          <a:p>
+            <a:r>
+              <a:rPr lang="en-US" sz="1200" dirty="0"/>
+              <a:t>  &lt;/</a:t>
+            </a:r>
+            <a:r>
+              <a:rPr lang="en-US" sz="1200" dirty="0" err="1"/>
+              <a:t>ItemGroup</a:t>
+            </a:r>
+            <a:r>
+              <a:rPr lang="en-US" sz="1200" dirty="0"/>
+              <a:t>&gt;</a:t>
+            </a:r>
+          </a:p>
+          <a:p>
+            <a:endParaRPr lang="en-US" sz="1200" dirty="0"/>
+          </a:p>
+          <a:p>
+            <a:r>
+              <a:rPr lang="en-US" sz="1200" dirty="0"/>
+              <a:t>  &lt;</a:t>
+            </a:r>
+            <a:r>
+              <a:rPr lang="en-US" sz="1200" dirty="0" err="1"/>
+              <a:t>ItemGroup</a:t>
+            </a:r>
+            <a:r>
+              <a:rPr lang="en-US" sz="1200" dirty="0"/>
+              <a:t> Condition=" $(</a:t>
+            </a:r>
+            <a:r>
+              <a:rPr lang="en-US" sz="1200" dirty="0" err="1"/>
+              <a:t>TargetFramework.StartsWith</a:t>
+            </a:r>
+            <a:r>
+              <a:rPr lang="en-US" sz="1200" dirty="0"/>
+              <a:t>('netstandard')) "&gt;</a:t>
+            </a:r>
+          </a:p>
+          <a:p>
+            <a:r>
+              <a:rPr lang="en-US" sz="1200" dirty="0"/>
+              <a:t>    &lt;Compile Include="**\*.</a:t>
+            </a:r>
+            <a:r>
+              <a:rPr lang="en-US" sz="1200" dirty="0" err="1"/>
+              <a:t>netstandard.cs</a:t>
+            </a:r>
+            <a:r>
+              <a:rPr lang="en-US" sz="1200" dirty="0"/>
+              <a:t>" /&gt;</a:t>
+            </a:r>
+          </a:p>
+          <a:p>
+            <a:r>
+              <a:rPr lang="en-US" sz="1200" dirty="0"/>
+              <a:t>  &lt;/</a:t>
+            </a:r>
+            <a:r>
+              <a:rPr lang="en-US" sz="1200" dirty="0" err="1"/>
+              <a:t>ItemGroup</a:t>
+            </a:r>
+            <a:r>
+              <a:rPr lang="en-US" sz="1200" dirty="0"/>
+              <a:t>&gt;</a:t>
+            </a:r>
+          </a:p>
+          <a:p>
+            <a:endParaRPr lang="en-US" sz="1200" dirty="0"/>
+          </a:p>
+          <a:p>
+            <a:r>
+              <a:rPr lang="en-US" sz="1200" dirty="0"/>
+              <a:t>  &lt;</a:t>
+            </a:r>
+            <a:r>
+              <a:rPr lang="en-US" sz="1200" dirty="0" err="1"/>
+              <a:t>ItemGroup</a:t>
+            </a:r>
+            <a:r>
+              <a:rPr lang="en-US" sz="1200" dirty="0"/>
+              <a:t> Condition=" $(</a:t>
+            </a:r>
+            <a:r>
+              <a:rPr lang="en-US" sz="1200" dirty="0" err="1"/>
+              <a:t>TargetFramework.StartsWith</a:t>
+            </a:r>
+            <a:r>
+              <a:rPr lang="en-US" sz="1200" dirty="0"/>
+              <a:t>('uap10.0')) "&gt;</a:t>
+            </a:r>
+          </a:p>
+          <a:p>
+            <a:r>
+              <a:rPr lang="en-US" sz="1200" dirty="0"/>
+              <a:t>    &lt;</a:t>
+            </a:r>
+            <a:r>
+              <a:rPr lang="en-US" sz="1200" dirty="0" err="1"/>
+              <a:t>PackageReference</a:t>
+            </a:r>
+            <a:r>
+              <a:rPr lang="en-US" sz="1200" dirty="0"/>
+              <a:t> Include="</a:t>
+            </a:r>
+            <a:r>
+              <a:rPr lang="en-US" sz="1200" dirty="0" err="1"/>
+              <a:t>Microsoft.NETCore.UniversalWindowsPlatform</a:t>
+            </a:r>
+            <a:r>
+              <a:rPr lang="en-US" sz="1200" dirty="0"/>
+              <a:t>" Version="6.0.6" /&gt;</a:t>
+            </a:r>
+          </a:p>
+          <a:p>
+            <a:r>
+              <a:rPr lang="en-US" sz="1200" dirty="0"/>
+              <a:t>    &lt;Compile Include="**\*.</a:t>
+            </a:r>
+            <a:r>
+              <a:rPr lang="en-US" sz="1200" dirty="0" err="1"/>
+              <a:t>uwp.cs</a:t>
+            </a:r>
+            <a:r>
+              <a:rPr lang="en-US" sz="1200" dirty="0"/>
+              <a:t>" /&gt;</a:t>
+            </a:r>
+          </a:p>
+          <a:p>
+            <a:r>
+              <a:rPr lang="en-US" sz="1200" dirty="0"/>
+              <a:t>  &lt;/</a:t>
+            </a:r>
+            <a:r>
+              <a:rPr lang="en-US" sz="1200" dirty="0" err="1"/>
+              <a:t>ItemGroup</a:t>
+            </a:r>
+            <a:r>
+              <a:rPr lang="en-US" sz="1200" dirty="0"/>
+              <a:t>&gt;</a:t>
+            </a:r>
+          </a:p>
+          <a:p>
+            <a:endParaRPr lang="en-US" sz="1200" dirty="0"/>
+          </a:p>
+          <a:p>
+            <a:r>
+              <a:rPr lang="en-US" sz="1200" dirty="0"/>
+              <a:t>  &lt;Import Project="$(</a:t>
+            </a:r>
+            <a:r>
+              <a:rPr lang="en-US" sz="1200" dirty="0" err="1"/>
+              <a:t>MSBuildSDKExtrasTargets</a:t>
+            </a:r>
+            <a:r>
+              <a:rPr lang="en-US" sz="1200" dirty="0"/>
+              <a:t>)" Condition="Exists('$(</a:t>
+            </a:r>
+            <a:r>
+              <a:rPr lang="en-US" sz="1200" dirty="0" err="1"/>
+              <a:t>MSBuildSDKExtrasTargets</a:t>
+            </a:r>
+            <a:r>
+              <a:rPr lang="en-US" sz="1200" dirty="0"/>
+              <a:t>)')" /&gt;</a:t>
+            </a:r>
+          </a:p>
+          <a:p>
+            <a:r>
+              <a:rPr lang="en-US" sz="1200" dirty="0"/>
+              <a:t>&lt;/Project&gt;</a:t>
+            </a:r>
+          </a:p>
+        </p:txBody>
+      </p:sp>
+    </p:spTree>
+    <p:extLst>
+      <p:ext uri="{BB962C8B-B14F-4D97-AF65-F5344CB8AC3E}">
+        <p14:creationId xmlns:p14="http://schemas.microsoft.com/office/powerpoint/2010/main" val="130820822"/>
+      </p:ext>
+    </p:extLst>
+  </p:cSld>
+  <p:clrMapOvr>
+    <a:masterClrMapping/>
+  </p:clrMapOvr>
+  <mc:AlternateContent xmlns:mc="http://schemas.openxmlformats.org/markup-compatibility/2006" xmlns:p14="http://schemas.microsoft.com/office/powerpoint/2010/main">
+    <mc:Choice Requires="p14">
+      <p:transition spd="med" p14:dur="700">
+        <p:fade/>
+      </p:transition>
+    </mc:Choice>
+    <mc:Fallback xmlns="">
+      <p:transition spd="med">
+        <p:fade/>
+      </p:transition>
+    </mc:Fallback>
+  </mc:AlternateContent>
+</p:sld>
+</file>
+
+<file path=ppt/slides/slide12.xml><?xml version="1.0" encoding="utf-8"?>
+<p:sld xmlns:a="http://schemas.openxmlformats.org/drawingml/2006/main" xmlns:r="http://schemas.openxmlformats.org/officeDocument/2006/relationships" xmlns:p="http://schemas.openxmlformats.org/presentationml/2006/main">
+  <p:cSld>
+    <p:spTree>
+      <p:nvGrpSpPr>
+        <p:cNvPr id="1" name=""/>
+        <p:cNvGrpSpPr/>
+        <p:nvPr/>
+      </p:nvGrpSpPr>
+      <p:grpSpPr>
+        <a:xfrm>
+          <a:off x="0" y="0"/>
+          <a:ext cx="0" cy="0"/>
+          <a:chOff x="0" y="0"/>
+          <a:chExt cx="0" cy="0"/>
+        </a:xfrm>
+      </p:grpSpPr>
+      <p:sp>
+        <p:nvSpPr>
+          <p:cNvPr id="4" name="Title 3"/>
+          <p:cNvSpPr>
+            <a:spLocks noGrp="1"/>
+          </p:cNvSpPr>
+          <p:nvPr>
+            <p:ph type="title"/>
+          </p:nvPr>
+        </p:nvSpPr>
+        <p:spPr/>
+        <p:txBody>
+          <a:bodyPr/>
+          <a:lstStyle/>
+          <a:p>
+            <a:r>
+              <a:rPr lang="en-US"/>
+              <a:t>Sample NewApi.shared.cs</a:t>
+            </a:r>
+            <a:endParaRPr lang="en-US" dirty="0"/>
+          </a:p>
+        </p:txBody>
+      </p:sp>
+      <p:sp>
+        <p:nvSpPr>
+          <p:cNvPr id="5" name="Text Placeholder 4"/>
+          <p:cNvSpPr>
+            <a:spLocks noGrp="1"/>
+          </p:cNvSpPr>
+          <p:nvPr>
+            <p:ph type="body" sz="quarter" idx="10"/>
+          </p:nvPr>
+        </p:nvSpPr>
+        <p:spPr>
+          <a:xfrm>
+            <a:off x="584200" y="1436691"/>
+            <a:ext cx="7974014" cy="4370427"/>
+          </a:xfrm>
+        </p:spPr>
+        <p:txBody>
+          <a:bodyPr/>
+          <a:lstStyle/>
+          <a:p>
+            <a:r>
+              <a:rPr lang="en-US" sz="2000" dirty="0"/>
+              <a:t>public static partial class </a:t>
+            </a:r>
+            <a:r>
+              <a:rPr lang="en-US" sz="2000" dirty="0" err="1"/>
+              <a:t>NewApi</a:t>
+            </a:r>
+            <a:endParaRPr lang="en-US" sz="2000" dirty="0"/>
+          </a:p>
+          <a:p>
+            <a:r>
+              <a:rPr lang="en-US" sz="2000" dirty="0"/>
+              <a:t>{</a:t>
+            </a:r>
+          </a:p>
+          <a:p>
+            <a:r>
+              <a:rPr lang="en-US" sz="2000" dirty="0"/>
+              <a:t>    public static void DoSomething()</a:t>
+            </a:r>
+          </a:p>
+          <a:p>
+            <a:r>
+              <a:rPr lang="en-US" sz="2000" dirty="0"/>
+              <a:t>        =&gt; DoSomething(1);</a:t>
+            </a:r>
+          </a:p>
+          <a:p>
+            <a:endParaRPr lang="en-US" sz="2000" dirty="0"/>
+          </a:p>
+          <a:p>
+            <a:r>
+              <a:rPr lang="en-US" sz="2000" dirty="0"/>
+              <a:t>    public static void DoSomething(int count)</a:t>
+            </a:r>
+          </a:p>
+          <a:p>
+            <a:r>
+              <a:rPr lang="en-US" sz="2000" dirty="0"/>
+              <a:t>    {</a:t>
+            </a:r>
+          </a:p>
+          <a:p>
+            <a:r>
+              <a:rPr lang="en-US" sz="2000" dirty="0"/>
+              <a:t>        for (int </a:t>
+            </a:r>
+            <a:r>
+              <a:rPr lang="en-US" sz="2000" dirty="0" err="1"/>
+              <a:t>i</a:t>
+            </a:r>
+            <a:r>
+              <a:rPr lang="en-US" sz="2000" dirty="0"/>
+              <a:t> = 0; </a:t>
+            </a:r>
+            <a:r>
+              <a:rPr lang="en-US" sz="2000" dirty="0" err="1"/>
+              <a:t>i</a:t>
+            </a:r>
+            <a:r>
+              <a:rPr lang="en-US" sz="2000" dirty="0"/>
+              <a:t> &lt; count; </a:t>
+            </a:r>
+            <a:r>
+              <a:rPr lang="en-US" sz="2000" dirty="0" err="1"/>
+              <a:t>i</a:t>
+            </a:r>
+            <a:r>
+              <a:rPr lang="en-US" sz="2000" dirty="0"/>
+              <a:t>++) {</a:t>
+            </a:r>
+          </a:p>
+          <a:p>
+            <a:r>
+              <a:rPr lang="en-US" sz="2000" dirty="0"/>
+              <a:t>            </a:t>
+            </a:r>
+            <a:r>
+              <a:rPr lang="en-US" sz="2000" dirty="0" err="1"/>
+              <a:t>PlatformDoSomething</a:t>
+            </a:r>
+            <a:r>
+              <a:rPr lang="en-US" sz="2000" dirty="0"/>
+              <a:t>();</a:t>
+            </a:r>
+          </a:p>
+          <a:p>
+            <a:r>
+              <a:rPr lang="en-US" sz="2000" dirty="0"/>
+              <a:t>        }</a:t>
+            </a:r>
+          </a:p>
+          <a:p>
+            <a:r>
+              <a:rPr lang="en-US" sz="2000" dirty="0"/>
+              <a:t>    }</a:t>
+            </a:r>
+          </a:p>
+          <a:p>
+            <a:r>
+              <a:rPr lang="en-US" sz="2000" dirty="0"/>
+              <a:t>}</a:t>
+            </a:r>
+          </a:p>
+        </p:txBody>
+      </p:sp>
+    </p:spTree>
+    <p:extLst>
+      <p:ext uri="{BB962C8B-B14F-4D97-AF65-F5344CB8AC3E}">
+        <p14:creationId xmlns:p14="http://schemas.microsoft.com/office/powerpoint/2010/main" val="3387480873"/>
+      </p:ext>
+    </p:extLst>
+  </p:cSld>
+  <p:clrMapOvr>
+    <a:masterClrMapping/>
+  </p:clrMapOvr>
+  <mc:AlternateContent xmlns:mc="http://schemas.openxmlformats.org/markup-compatibility/2006" xmlns:p14="http://schemas.microsoft.com/office/powerpoint/2010/main">
+    <mc:Choice Requires="p14">
+      <p:transition spd="med" p14:dur="700">
+        <p:fade/>
+      </p:transition>
+    </mc:Choice>
+    <mc:Fallback xmlns="">
+      <p:transition spd="med">
+        <p:fade/>
+      </p:transition>
+    </mc:Fallback>
+  </mc:AlternateContent>
+</p:sld>
+</file>
+
+<file path=ppt/slides/slide13.xml><?xml version="1.0" encoding="utf-8"?>
+<p:sld xmlns:a="http://schemas.openxmlformats.org/drawingml/2006/main" xmlns:r="http://schemas.openxmlformats.org/officeDocument/2006/relationships" xmlns:p="http://schemas.openxmlformats.org/presentationml/2006/main">
+  <p:cSld>
+    <p:spTree>
+      <p:nvGrpSpPr>
+        <p:cNvPr id="1" name=""/>
+        <p:cNvGrpSpPr/>
+        <p:nvPr/>
+      </p:nvGrpSpPr>
+      <p:grpSpPr>
+        <a:xfrm>
+          <a:off x="0" y="0"/>
+          <a:ext cx="0" cy="0"/>
+          <a:chOff x="0" y="0"/>
+          <a:chExt cx="0" cy="0"/>
+        </a:xfrm>
+      </p:grpSpPr>
+      <p:sp>
+        <p:nvSpPr>
+          <p:cNvPr id="4" name="Title 3"/>
+          <p:cNvSpPr>
+            <a:spLocks noGrp="1"/>
+          </p:cNvSpPr>
+          <p:nvPr>
+            <p:ph type="title"/>
+          </p:nvPr>
+        </p:nvSpPr>
+        <p:spPr/>
+        <p:txBody>
+          <a:bodyPr/>
+          <a:lstStyle/>
+          <a:p>
+            <a:r>
+              <a:rPr lang="en-US" dirty="0"/>
+              <a:t>Sample </a:t>
+            </a:r>
+            <a:r>
+              <a:rPr lang="en-US" dirty="0" err="1"/>
+              <a:t>NewApi</a:t>
+            </a:r>
+            <a:r>
+              <a:rPr lang="en-US" dirty="0"/>
+              <a:t>.&lt;platform&gt;.cs</a:t>
+            </a:r>
+          </a:p>
+        </p:txBody>
+      </p:sp>
+      <p:sp>
+        <p:nvSpPr>
+          <p:cNvPr id="5" name="Text Placeholder 4"/>
+          <p:cNvSpPr>
+            <a:spLocks noGrp="1"/>
+          </p:cNvSpPr>
+          <p:nvPr>
+            <p:ph type="body" sz="quarter" idx="10"/>
+          </p:nvPr>
+        </p:nvSpPr>
+        <p:spPr>
+          <a:xfrm>
+            <a:off x="584200" y="1436689"/>
+            <a:ext cx="7974011" cy="4973669"/>
+          </a:xfrm>
+        </p:spPr>
+        <p:txBody>
+          <a:bodyPr/>
+          <a:lstStyle/>
+          <a:p>
+            <a:r>
+              <a:rPr lang="en-US" sz="1600" dirty="0"/>
+              <a:t>// The code for Android (real platform)</a:t>
+            </a:r>
+          </a:p>
+          <a:p>
+            <a:r>
+              <a:rPr lang="en-US" sz="1600" dirty="0"/>
+              <a:t>public static partial class </a:t>
+            </a:r>
+            <a:r>
+              <a:rPr lang="en-US" sz="1600" dirty="0" err="1"/>
+              <a:t>NewApi</a:t>
+            </a:r>
+            <a:endParaRPr lang="en-US" sz="1600" dirty="0"/>
+          </a:p>
+          <a:p>
+            <a:r>
+              <a:rPr lang="en-US" sz="1600" dirty="0"/>
+              <a:t>{</a:t>
+            </a:r>
+          </a:p>
+          <a:p>
+            <a:r>
+              <a:rPr lang="en-US" sz="1600" dirty="0"/>
+              <a:t>    public static void </a:t>
+            </a:r>
+            <a:r>
+              <a:rPr lang="en-US" sz="1600" dirty="0" err="1"/>
+              <a:t>PlatformDoSomething</a:t>
+            </a:r>
+            <a:r>
+              <a:rPr lang="en-US" sz="1600" dirty="0"/>
+              <a:t>(int count)</a:t>
+            </a:r>
+          </a:p>
+          <a:p>
+            <a:r>
+              <a:rPr lang="en-US" sz="1600" dirty="0"/>
+              <a:t>    {</a:t>
+            </a:r>
+          </a:p>
+          <a:p>
+            <a:r>
+              <a:rPr lang="en-US" sz="1600" dirty="0"/>
+              <a:t>        </a:t>
+            </a:r>
+            <a:r>
+              <a:rPr lang="en-US" sz="1600" dirty="0" err="1"/>
+              <a:t>Console.WriteLine</a:t>
+            </a:r>
+            <a:r>
+              <a:rPr lang="en-US" sz="1600" dirty="0"/>
+              <a:t>("Doing something on Android...");</a:t>
+            </a:r>
+          </a:p>
+          <a:p>
+            <a:r>
+              <a:rPr lang="en-US" sz="1600" dirty="0"/>
+              <a:t>    }</a:t>
+            </a:r>
+          </a:p>
+          <a:p>
+            <a:r>
+              <a:rPr lang="en-US" sz="1600" dirty="0"/>
+              <a:t>}</a:t>
+            </a:r>
+          </a:p>
+          <a:p>
+            <a:endParaRPr lang="en-US" sz="1600" dirty="0"/>
+          </a:p>
+          <a:p>
+            <a:r>
+              <a:rPr lang="en-US" sz="1600" dirty="0"/>
+              <a:t>// The code for .NET Standard (fake platform)</a:t>
+            </a:r>
+          </a:p>
+          <a:p>
+            <a:r>
+              <a:rPr lang="en-US" sz="1600" dirty="0"/>
+              <a:t>public static partial class </a:t>
+            </a:r>
+            <a:r>
+              <a:rPr lang="en-US" sz="1600" dirty="0" err="1"/>
+              <a:t>NewApi</a:t>
+            </a:r>
+            <a:endParaRPr lang="en-US" sz="1600" dirty="0"/>
+          </a:p>
+          <a:p>
+            <a:r>
+              <a:rPr lang="en-US" sz="1600" dirty="0"/>
+              <a:t>{</a:t>
+            </a:r>
+          </a:p>
+          <a:p>
+            <a:r>
+              <a:rPr lang="en-US" sz="1600" dirty="0"/>
+              <a:t>    public static void </a:t>
+            </a:r>
+            <a:r>
+              <a:rPr lang="en-US" sz="1600" dirty="0" err="1"/>
+              <a:t>PlatformDoSomething</a:t>
+            </a:r>
+            <a:r>
+              <a:rPr lang="en-US" sz="1600" dirty="0"/>
+              <a:t>(int count)</a:t>
+            </a:r>
+          </a:p>
+          <a:p>
+            <a:r>
+              <a:rPr lang="en-US" sz="1600" dirty="0"/>
+              <a:t>    {</a:t>
+            </a:r>
+          </a:p>
+          <a:p>
+            <a:r>
+              <a:rPr lang="en-US" sz="1600" dirty="0"/>
+              <a:t>        throw new </a:t>
+            </a:r>
+            <a:r>
+              <a:rPr lang="en-US" sz="1600" dirty="0" err="1"/>
+              <a:t>NotImplementedInReferenceAssemblyException</a:t>
+            </a:r>
+            <a:r>
+              <a:rPr lang="en-US" sz="1600" dirty="0"/>
+              <a:t>();</a:t>
+            </a:r>
+          </a:p>
+          <a:p>
+            <a:r>
+              <a:rPr lang="en-US" sz="1600" dirty="0"/>
+              <a:t>    }</a:t>
+            </a:r>
+          </a:p>
+          <a:p>
+            <a:r>
+              <a:rPr lang="en-US" sz="1600" dirty="0"/>
+              <a:t>}</a:t>
+            </a:r>
+          </a:p>
+        </p:txBody>
+      </p:sp>
+    </p:spTree>
+    <p:extLst>
+      <p:ext uri="{BB962C8B-B14F-4D97-AF65-F5344CB8AC3E}">
+        <p14:creationId xmlns:p14="http://schemas.microsoft.com/office/powerpoint/2010/main" val="4248038937"/>
+      </p:ext>
+    </p:extLst>
+  </p:cSld>
+  <p:clrMapOvr>
+    <a:masterClrMapping/>
+  </p:clrMapOvr>
+  <mc:AlternateContent xmlns:mc="http://schemas.openxmlformats.org/markup-compatibility/2006" xmlns:p14="http://schemas.microsoft.com/office/powerpoint/2010/main">
+    <mc:Choice Requires="p14">
+      <p:transition spd="med" p14:dur="700">
+        <p:fade/>
+      </p:transition>
+    </mc:Choice>
+    <mc:Fallback xmlns="">
+      <p:transition spd="med">
+        <p:fade/>
+      </p:transition>
+    </mc:Fallback>
+  </mc:AlternateContent>
+</p:sld>
+</file>
+
+<file path=ppt/slides/slide14.xml><?xml version="1.0" encoding="utf-8"?>
+<p:sld xmlns:a="http://schemas.openxmlformats.org/drawingml/2006/main" xmlns:r="http://schemas.openxmlformats.org/officeDocument/2006/relationships" xmlns:p="http://schemas.openxmlformats.org/presentationml/2006/main">
+  <p:cSld>
+    <p:spTree>
+      <p:nvGrpSpPr>
+        <p:cNvPr id="1" name=""/>
+        <p:cNvGrpSpPr/>
+        <p:nvPr/>
+      </p:nvGrpSpPr>
+      <p:grpSpPr>
+        <a:xfrm>
+          <a:off x="0" y="0"/>
+          <a:ext cx="0" cy="0"/>
+          <a:chOff x="0" y="0"/>
+          <a:chExt cx="0" cy="0"/>
+        </a:xfrm>
+      </p:grpSpPr>
+      <p:sp>
+        <p:nvSpPr>
+          <p:cNvPr id="3" name="Title 2"/>
+          <p:cNvSpPr>
+            <a:spLocks noGrp="1"/>
+          </p:cNvSpPr>
+          <p:nvPr>
+            <p:ph type="title"/>
+          </p:nvPr>
+        </p:nvSpPr>
+        <p:spPr/>
+        <p:txBody>
+          <a:bodyPr/>
+          <a:lstStyle/>
+          <a:p>
+            <a:r>
+              <a:rPr lang="en-US" dirty="0"/>
+              <a:t>Code</a:t>
+            </a:r>
+          </a:p>
+        </p:txBody>
+      </p:sp>
+      <p:sp>
+        <p:nvSpPr>
+          <p:cNvPr id="4" name="Text Placeholder 3"/>
+          <p:cNvSpPr>
+            <a:spLocks noGrp="1"/>
+          </p:cNvSpPr>
+          <p:nvPr>
+            <p:ph type="body" sz="quarter" idx="12"/>
+          </p:nvPr>
+        </p:nvSpPr>
+        <p:spPr/>
+        <p:txBody>
+          <a:bodyPr/>
+          <a:lstStyle/>
+          <a:p>
+            <a:r>
+              <a:rPr lang="en-US" dirty="0"/>
+              <a:t>Looking at the gears</a:t>
+            </a:r>
+          </a:p>
+        </p:txBody>
+      </p:sp>
+    </p:spTree>
+    <p:extLst>
+      <p:ext uri="{BB962C8B-B14F-4D97-AF65-F5344CB8AC3E}">
+        <p14:creationId xmlns:p14="http://schemas.microsoft.com/office/powerpoint/2010/main" val="786119761"/>
+      </p:ext>
+    </p:extLst>
+  </p:cSld>
+  <p:clrMapOvr>
+    <a:masterClrMapping/>
+  </p:clrMapOvr>
+  <mc:AlternateContent xmlns:mc="http://schemas.openxmlformats.org/markup-compatibility/2006" xmlns:p14="http://schemas.microsoft.com/office/powerpoint/2010/main">
+    <mc:Choice Requires="p14">
+      <p:transition spd="med" p14:dur="700">
+        <p:fade/>
+      </p:transition>
+    </mc:Choice>
+    <mc:Fallback xmlns="">
+      <p:transition spd="med">
+        <p:fade/>
+      </p:transition>
+    </mc:Fallback>
+  </mc:AlternateContent>
+</p:sld>
+</file>
+
+<file path=ppt/slides/slide15.xml><?xml version="1.0" encoding="utf-8"?>
+<p:sld xmlns:a="http://schemas.openxmlformats.org/drawingml/2006/main" xmlns:r="http://schemas.openxmlformats.org/officeDocument/2006/relationships" xmlns:p="http://schemas.openxmlformats.org/presentationml/2006/main">
+  <p:cSld>
+    <p:spTree>
+      <p:nvGrpSpPr>
+        <p:cNvPr id="1" name=""/>
+        <p:cNvGrpSpPr/>
+        <p:nvPr/>
+      </p:nvGrpSpPr>
+      <p:grpSpPr>
+        <a:xfrm>
+          <a:off x="0" y="0"/>
+          <a:ext cx="0" cy="0"/>
+          <a:chOff x="0" y="0"/>
+          <a:chExt cx="0" cy="0"/>
+        </a:xfrm>
+      </p:grpSpPr>
+      <p:sp>
+        <p:nvSpPr>
+          <p:cNvPr id="17" name="Title 16"/>
+          <p:cNvSpPr>
+            <a:spLocks noGrp="1"/>
+          </p:cNvSpPr>
+          <p:nvPr>
+            <p:ph type="title"/>
+          </p:nvPr>
+        </p:nvSpPr>
+        <p:spPr/>
+        <p:txBody>
+          <a:bodyPr/>
+          <a:lstStyle/>
+          <a:p>
+            <a:r>
+              <a:rPr lang="en-US" dirty="0"/>
+              <a:t>Links</a:t>
+            </a:r>
+          </a:p>
+        </p:txBody>
+      </p:sp>
+      <p:sp>
+        <p:nvSpPr>
+          <p:cNvPr id="6" name="Text Placeholder 5"/>
+          <p:cNvSpPr>
+            <a:spLocks noGrp="1"/>
+          </p:cNvSpPr>
+          <p:nvPr>
+            <p:ph type="body" sz="quarter" idx="10"/>
+          </p:nvPr>
+        </p:nvSpPr>
+        <p:spPr>
+          <a:xfrm>
+            <a:off x="584200" y="1435498"/>
+            <a:ext cx="7974011" cy="4616648"/>
+          </a:xfrm>
+        </p:spPr>
+        <p:txBody>
+          <a:bodyPr/>
+          <a:lstStyle/>
+          <a:p>
+            <a:pPr marL="0" indent="0">
+              <a:buNone/>
+            </a:pPr>
+            <a:r>
+              <a:rPr lang="en-US" sz="2400" dirty="0"/>
+              <a:t>Source Code</a:t>
+            </a:r>
+          </a:p>
+          <a:p>
+            <a:pPr marL="228595" lvl="1" indent="0">
+              <a:buNone/>
+            </a:pPr>
+            <a:r>
+              <a:rPr lang="en-US" sz="1800" dirty="0">
+                <a:hlinkClick r:id="rId3"/>
+              </a:rPr>
+              <a:t>https://github.com/xamarin/Essentials</a:t>
+            </a:r>
+            <a:endParaRPr lang="en-US" sz="1800" dirty="0"/>
+          </a:p>
+          <a:p>
+            <a:pPr marL="0" indent="0">
+              <a:buNone/>
+            </a:pPr>
+            <a:r>
+              <a:rPr lang="en-US" sz="2400" dirty="0"/>
+              <a:t>Documentation</a:t>
+            </a:r>
+          </a:p>
+          <a:p>
+            <a:pPr marL="228595" lvl="1" indent="0">
+              <a:buNone/>
+            </a:pPr>
+            <a:r>
+              <a:rPr lang="en-US" sz="1800" dirty="0">
+                <a:hlinkClick r:id="rId4"/>
+              </a:rPr>
+              <a:t>https://docs.microsoft.com/en-us/xamarin/essentials</a:t>
+            </a:r>
+            <a:endParaRPr lang="en-US" sz="1800" dirty="0"/>
+          </a:p>
+          <a:p>
+            <a:pPr marL="0" indent="0">
+              <a:buNone/>
+            </a:pPr>
+            <a:r>
+              <a:rPr lang="en-US" sz="2400" dirty="0"/>
+              <a:t>API Documentation</a:t>
+            </a:r>
+          </a:p>
+          <a:p>
+            <a:pPr marL="228595" lvl="1" indent="0">
+              <a:buNone/>
+            </a:pPr>
+            <a:r>
+              <a:rPr lang="en-US" sz="1800" dirty="0">
+                <a:hlinkClick r:id="rId5"/>
+              </a:rPr>
+              <a:t>https://docs.microsoft.com/en-us/dotnet/api/xamarin.essentials</a:t>
+            </a:r>
+            <a:r>
+              <a:rPr lang="en-US" sz="1800" dirty="0"/>
+              <a:t> </a:t>
+            </a:r>
+          </a:p>
+          <a:p>
+            <a:pPr marL="0" indent="0">
+              <a:buNone/>
+            </a:pPr>
+            <a:r>
+              <a:rPr lang="en-US" sz="2400" dirty="0"/>
+              <a:t>Development NuGet Feed</a:t>
+            </a:r>
+          </a:p>
+          <a:p>
+            <a:pPr marL="228595" lvl="1" indent="0">
+              <a:buNone/>
+            </a:pPr>
+            <a:r>
+              <a:rPr lang="en-US" sz="1800" dirty="0">
+                <a:hlinkClick r:id="rId6"/>
+              </a:rPr>
+              <a:t>https://www.myget.org/F/xamarin-essentials/api/v3/index.json</a:t>
+            </a:r>
+            <a:r>
+              <a:rPr lang="en-US" sz="1800" dirty="0"/>
+              <a:t> </a:t>
+            </a:r>
+          </a:p>
+          <a:p>
+            <a:pPr marL="0" indent="0">
+              <a:buNone/>
+            </a:pPr>
+            <a:r>
+              <a:rPr lang="en-US" sz="2400" dirty="0"/>
+              <a:t>Demo Source Code</a:t>
+            </a:r>
+          </a:p>
+          <a:p>
+            <a:pPr marL="228595" lvl="1" indent="0">
+              <a:buNone/>
+            </a:pPr>
+            <a:r>
+              <a:rPr lang="en-US" sz="1800" dirty="0">
+                <a:hlinkClick r:id="rId7"/>
+              </a:rPr>
+              <a:t>https://github.com/mattleibow/EssentialsDemo</a:t>
+            </a:r>
+            <a:r>
+              <a:rPr lang="en-US" sz="1800" dirty="0"/>
+              <a:t>  </a:t>
+            </a:r>
+          </a:p>
+          <a:p>
+            <a:pPr marL="0" indent="0">
+              <a:buNone/>
+            </a:pPr>
+            <a:r>
+              <a:rPr lang="en-US" sz="2400" dirty="0" err="1"/>
+              <a:t>MSBuild.Sdk.Extras</a:t>
+            </a:r>
+            <a:r>
+              <a:rPr lang="en-US" sz="2400" dirty="0"/>
+              <a:t> NuGet</a:t>
+            </a:r>
+          </a:p>
+          <a:p>
+            <a:pPr marL="228595" lvl="1" indent="0">
+              <a:buNone/>
+            </a:pPr>
+            <a:r>
+              <a:rPr lang="en-US" sz="1800" dirty="0">
+                <a:hlinkClick r:id="rId8"/>
+              </a:rPr>
+              <a:t>https://github.com/onovotny/MSBuildSdkExtras</a:t>
+            </a:r>
+            <a:r>
+              <a:rPr lang="en-US" sz="1800" dirty="0"/>
+              <a:t> </a:t>
+            </a:r>
+          </a:p>
+        </p:txBody>
+      </p:sp>
+    </p:spTree>
+    <p:extLst>
+      <p:ext uri="{BB962C8B-B14F-4D97-AF65-F5344CB8AC3E}">
+        <p14:creationId xmlns:p14="http://schemas.microsoft.com/office/powerpoint/2010/main" val="1182838588"/>
+      </p:ext>
+    </p:extLst>
+  </p:cSld>
+  <p:clrMapOvr>
+    <a:masterClrMapping/>
+  </p:clrMapOvr>
+  <mc:AlternateContent xmlns:mc="http://schemas.openxmlformats.org/markup-compatibility/2006" xmlns:p14="http://schemas.microsoft.com/office/powerpoint/2010/main">
+    <mc:Choice Requires="p14">
+      <p:transition spd="med" p14:dur="700">
+        <p:fade/>
+      </p:transition>
+    </mc:Choice>
+    <mc:Fallback xmlns="">
+      <p:transition spd="med">
+        <p:fade/>
+      </p:transition>
+    </mc:Fallback>
+  </mc:AlternateContent>
+</p:sld>
+</file>
+
+<file path=ppt/slides/slide16.xml><?xml version="1.0" encoding="utf-8"?>
+<p:sld xmlns:a="http://schemas.openxmlformats.org/drawingml/2006/main" xmlns:r="http://schemas.openxmlformats.org/officeDocument/2006/relationships" xmlns:p="http://schemas.openxmlformats.org/presentationml/2006/main">
+  <p:cSld>
+    <p:spTree>
+      <p:nvGrpSpPr>
+        <p:cNvPr id="1" name=""/>
+        <p:cNvGrpSpPr/>
+        <p:nvPr/>
+      </p:nvGrpSpPr>
+      <p:grpSpPr>
+        <a:xfrm>
+          <a:off x="0" y="0"/>
+          <a:ext cx="0" cy="0"/>
+          <a:chOff x="0" y="0"/>
+          <a:chExt cx="0" cy="0"/>
+        </a:xfrm>
+      </p:grpSpPr>
+      <p:sp>
+        <p:nvSpPr>
+          <p:cNvPr id="3" name="Title 2">
+            <a:extLst>
+              <a:ext uri="{FF2B5EF4-FFF2-40B4-BE49-F238E27FC236}">
+                <a16:creationId xmlns:a16="http://schemas.microsoft.com/office/drawing/2014/main" id="{520AAA00-72C3-462F-93F2-E2F3649C262A}"/>
+              </a:ext>
+            </a:extLst>
+          </p:cNvPr>
+          <p:cNvSpPr>
+            <a:spLocks noGrp="1"/>
+          </p:cNvSpPr>
+          <p:nvPr>
+            <p:ph type="title"/>
+          </p:nvPr>
+        </p:nvSpPr>
+        <p:spPr/>
+        <p:txBody>
+          <a:bodyPr/>
+          <a:lstStyle/>
+          <a:p>
+            <a:r>
+              <a:rPr lang="en-US" dirty="0"/>
+              <a:t>Thank You!</a:t>
+            </a:r>
+          </a:p>
+        </p:txBody>
+      </p:sp>
+    </p:spTree>
+    <p:extLst>
+      <p:ext uri="{BB962C8B-B14F-4D97-AF65-F5344CB8AC3E}">
+        <p14:creationId xmlns:p14="http://schemas.microsoft.com/office/powerpoint/2010/main" val="2402828649"/>
+      </p:ext>
+    </p:extLst>
+  </p:cSld>
+  <p:clrMapOvr>
+    <a:masterClrMapping/>
+  </p:clrMapOvr>
+  <mc:AlternateContent xmlns:mc="http://schemas.openxmlformats.org/markup-compatibility/2006" xmlns:p14="http://schemas.microsoft.com/office/powerpoint/2010/main">
+    <mc:Choice Requires="p14">
+      <p:transition spd="med" p14:dur="700">
+        <p:fade/>
+      </p:transition>
+    </mc:Choice>
+    <mc:Fallback xmlns="">
+      <p:transition spd="med">
+        <p:fade/>
+      </p:transition>
+    </mc:Fallback>
+  </mc:AlternateContent>
+</p:sld>
+</file>
+
+<file path=ppt/slides/slide17.xml><?xml version="1.0" encoding="utf-8"?>
+<p:sld xmlns:a="http://schemas.openxmlformats.org/drawingml/2006/main" xmlns:r="http://schemas.openxmlformats.org/officeDocument/2006/relationships" xmlns:p="http://schemas.openxmlformats.org/presentationml/2006/main">
+  <p:cSld>
+    <p:spTree>
+      <p:nvGrpSpPr>
+        <p:cNvPr id="1" name=""/>
+        <p:cNvGrpSpPr/>
+        <p:nvPr/>
+      </p:nvGrpSpPr>
+      <p:grpSpPr>
+        <a:xfrm>
+          <a:off x="0" y="0"/>
+          <a:ext cx="0" cy="0"/>
+          <a:chOff x="0" y="0"/>
+          <a:chExt cx="0" cy="0"/>
+        </a:xfrm>
+      </p:grpSpPr>
     </p:spTree>
     <p:extLst>
       <p:ext uri="{BB962C8B-B14F-4D97-AF65-F5344CB8AC3E}">
@@ -16287,6 +18680,77 @@
 </file>
 
 <file path=ppt/slides/slide2.xml><?xml version="1.0" encoding="utf-8"?>
+<p:sld xmlns:a="http://schemas.openxmlformats.org/drawingml/2006/main" xmlns:r="http://schemas.openxmlformats.org/officeDocument/2006/relationships" xmlns:p="http://schemas.openxmlformats.org/presentationml/2006/main">
+  <p:cSld>
+    <p:spTree>
+      <p:nvGrpSpPr>
+        <p:cNvPr id="1" name=""/>
+        <p:cNvGrpSpPr/>
+        <p:nvPr/>
+      </p:nvGrpSpPr>
+      <p:grpSpPr>
+        <a:xfrm>
+          <a:off x="0" y="0"/>
+          <a:ext cx="0" cy="0"/>
+          <a:chOff x="0" y="0"/>
+          <a:chExt cx="0" cy="0"/>
+        </a:xfrm>
+      </p:grpSpPr>
+      <p:sp>
+        <p:nvSpPr>
+          <p:cNvPr id="4" name="Title 3">
+            <a:extLst>
+              <a:ext uri="{FF2B5EF4-FFF2-40B4-BE49-F238E27FC236}">
+                <a16:creationId xmlns:a16="http://schemas.microsoft.com/office/drawing/2014/main" id="{A6415C81-7E54-4413-9933-2E996B0B6668}"/>
+              </a:ext>
+            </a:extLst>
+          </p:cNvPr>
+          <p:cNvSpPr>
+            <a:spLocks noGrp="1"/>
+          </p:cNvSpPr>
+          <p:nvPr>
+            <p:ph type="title"/>
+          </p:nvPr>
+        </p:nvSpPr>
+        <p:spPr/>
+        <p:txBody>
+          <a:bodyPr/>
+          <a:lstStyle/>
+          <a:p>
+            <a:r>
+              <a:rPr lang="en-US" dirty="0" err="1"/>
+              <a:t>Xamarin.Essentials</a:t>
+            </a:r>
+            <a:endParaRPr lang="en-US" dirty="0"/>
+          </a:p>
+        </p:txBody>
+      </p:sp>
+    </p:spTree>
+    <p:extLst>
+      <p:ext uri="{BB962C8B-B14F-4D97-AF65-F5344CB8AC3E}">
+        <p14:creationId xmlns:p14="http://schemas.microsoft.com/office/powerpoint/2010/main" val="3025339726"/>
+      </p:ext>
+    </p:extLst>
+  </p:cSld>
+  <p:clrMapOvr>
+    <a:masterClrMapping/>
+  </p:clrMapOvr>
+  <mc:AlternateContent xmlns:mc="http://schemas.openxmlformats.org/markup-compatibility/2006" xmlns:p14="http://schemas.microsoft.com/office/powerpoint/2010/main">
+    <mc:Choice Requires="p14">
+      <p:transition spd="med" p14:dur="700">
+        <p:fade/>
+      </p:transition>
+    </mc:Choice>
+    <mc:Fallback xmlns="">
+      <p:transition spd="med">
+        <p:fade/>
+      </p:transition>
+    </mc:Fallback>
+  </mc:AlternateContent>
+</p:sld>
+</file>
+
+<file path=ppt/slides/slide3.xml><?xml version="1.0" encoding="utf-8"?>
 <p:sld xmlns:a="http://schemas.openxmlformats.org/drawingml/2006/main" xmlns:r="http://schemas.openxmlformats.org/officeDocument/2006/relationships" xmlns:p="http://schemas.openxmlformats.org/presentationml/2006/main">
   <p:cSld>
     <p:spTree>
@@ -18330,155 +20794,6 @@
 </p:sld>
 </file>
 
-<file path=ppt/slides/slide3.xml><?xml version="1.0" encoding="utf-8"?>
-<p:sld xmlns:a="http://schemas.openxmlformats.org/drawingml/2006/main" xmlns:r="http://schemas.openxmlformats.org/officeDocument/2006/relationships" xmlns:p="http://schemas.openxmlformats.org/presentationml/2006/main">
-  <p:cSld>
-    <p:spTree>
-      <p:nvGrpSpPr>
-        <p:cNvPr id="1" name=""/>
-        <p:cNvGrpSpPr/>
-        <p:nvPr/>
-      </p:nvGrpSpPr>
-      <p:grpSpPr>
-        <a:xfrm>
-          <a:off x="0" y="0"/>
-          <a:ext cx="0" cy="0"/>
-          <a:chOff x="0" y="0"/>
-          <a:chExt cx="0" cy="0"/>
-        </a:xfrm>
-      </p:grpSpPr>
-      <p:sp>
-        <p:nvSpPr>
-          <p:cNvPr id="17" name="Title 16"/>
-          <p:cNvSpPr>
-            <a:spLocks noGrp="1"/>
-          </p:cNvSpPr>
-          <p:nvPr>
-            <p:ph type="title"/>
-          </p:nvPr>
-        </p:nvSpPr>
-        <p:spPr/>
-        <p:txBody>
-          <a:bodyPr/>
-          <a:lstStyle/>
-          <a:p>
-            <a:r>
-              <a:rPr lang="en-US"/>
-              <a:t>What is Xamarin.Essentials?</a:t>
-            </a:r>
-            <a:endParaRPr lang="en-US" dirty="0"/>
-          </a:p>
-        </p:txBody>
-      </p:sp>
-      <p:sp>
-        <p:nvSpPr>
-          <p:cNvPr id="6" name="Text Placeholder 5"/>
-          <p:cNvSpPr>
-            <a:spLocks noGrp="1"/>
-          </p:cNvSpPr>
-          <p:nvPr>
-            <p:ph type="body" sz="quarter" idx="10"/>
-          </p:nvPr>
-        </p:nvSpPr>
-        <p:spPr>
-          <a:xfrm>
-            <a:off x="584200" y="1435498"/>
-            <a:ext cx="7974011" cy="4388894"/>
-          </a:xfrm>
-        </p:spPr>
-        <p:txBody>
-          <a:bodyPr/>
-          <a:lstStyle/>
-          <a:p>
-            <a:r>
-              <a:rPr lang="en-US" dirty="0"/>
-              <a:t>Set of core cross-platform APIs</a:t>
-            </a:r>
-          </a:p>
-          <a:p>
-            <a:r>
-              <a:rPr lang="en-US" dirty="0"/>
-              <a:t>.NET Standard 2.0 compatible</a:t>
-            </a:r>
-          </a:p>
-          <a:p>
-            <a:r>
-              <a:rPr lang="en-US" dirty="0"/>
-              <a:t>Supported Platforms</a:t>
-            </a:r>
-          </a:p>
-          <a:p>
-            <a:pPr lvl="1"/>
-            <a:r>
-              <a:rPr lang="en-US" dirty="0"/>
-              <a:t>Android 4.4</a:t>
-            </a:r>
-          </a:p>
-          <a:p>
-            <a:pPr lvl="1"/>
-            <a:r>
-              <a:rPr lang="en-US" dirty="0"/>
-              <a:t>iOS 11</a:t>
-            </a:r>
-          </a:p>
-          <a:p>
-            <a:pPr lvl="1"/>
-            <a:r>
-              <a:rPr lang="en-US" dirty="0"/>
-              <a:t>UWP Fall Creators Update</a:t>
-            </a:r>
-          </a:p>
-          <a:p>
-            <a:r>
-              <a:rPr lang="en-US" dirty="0"/>
-              <a:t>Almost no setup code</a:t>
-            </a:r>
-          </a:p>
-          <a:p>
-            <a:r>
-              <a:rPr lang="en-US" dirty="0"/>
-              <a:t>Could replace plugins for many use cases</a:t>
-            </a:r>
-          </a:p>
-          <a:p>
-            <a:r>
-              <a:rPr lang="en-US" dirty="0"/>
-              <a:t>Designed for mobile and cross-platform</a:t>
-            </a:r>
-          </a:p>
-          <a:p>
-            <a:r>
-              <a:rPr lang="en-US" dirty="0"/>
-              <a:t>Small and Linkable</a:t>
-            </a:r>
-          </a:p>
-        </p:txBody>
-      </p:sp>
-    </p:spTree>
-    <p:extLst>
-      <p:ext uri="{BB962C8B-B14F-4D97-AF65-F5344CB8AC3E}">
-        <p14:creationId xmlns:p14="http://schemas.microsoft.com/office/powerpoint/2010/main" val="1793706927"/>
-      </p:ext>
-    </p:extLst>
-  </p:cSld>
-  <p:clrMapOvr>
-    <a:masterClrMapping/>
-  </p:clrMapOvr>
-  <mc:AlternateContent xmlns:mc="http://schemas.openxmlformats.org/markup-compatibility/2006" xmlns:p14="http://schemas.microsoft.com/office/powerpoint/2010/main">
-    <mc:Choice Requires="p14">
-      <p:transition spd="med" p14:dur="700">
-        <p:fade/>
-      </p:transition>
-    </mc:Choice>
-    <mc:Fallback xmlns="">
-      <p:transition spd="med">
-        <p:fade/>
-      </p:transition>
-    </mc:Fallback>
-  </mc:AlternateContent>
-</p:sld>
-</file>
-
 <file path=ppt/slides/slide4.xml><?xml version="1.0" encoding="utf-8"?>
 <p:sld xmlns:a="http://schemas.openxmlformats.org/drawingml/2006/main" xmlns:r="http://schemas.openxmlformats.org/officeDocument/2006/relationships" xmlns:p="http://schemas.openxmlformats.org/presentationml/2006/main">
   <p:cSld>
@@ -18512,17 +20827,10 @@
           <a:lstStyle/>
           <a:p>
             <a:r>
-              <a:rPr lang="en-US" dirty="0"/>
-              <a:t>What is in </a:t>
-            </a:r>
-            <a:r>
-              <a:rPr lang="en-US" dirty="0" err="1"/>
-              <a:t>Xamarin.Essentials</a:t>
-            </a:r>
-            <a:r>
-              <a:rPr lang="en-US" dirty="0"/>
-              <a:t>?</a:t>
-            </a:r>
+              <a:rPr lang="en-US"/>
+              <a:t>What is Xamarin.Essentials?</a:t>
+            </a:r>
+            <a:endParaRPr lang="en-US" dirty="0"/>
           </a:p>
         </p:txBody>
       </p:sp>
@@ -18538,200 +20846,74 @@
         </p:nvSpPr>
         <p:spPr>
           <a:xfrm>
-            <a:off x="584200" y="1436689"/>
-            <a:ext cx="7974014" cy="4832349"/>
+            <a:off x="584200" y="1435498"/>
+            <a:ext cx="7974011" cy="4388894"/>
           </a:xfrm>
         </p:spPr>
         <p:txBody>
-          <a:bodyPr numCol="3" spcCol="182880"/>
+          <a:bodyPr/>
           <a:lstStyle/>
           <a:p>
-            <a:pPr lvl="0"/>
-            <a:r>
-              <a:rPr lang="en-US" sz="2400" dirty="0"/>
-              <a:t>Accelerometer</a:t>
-            </a:r>
-          </a:p>
-          <a:p>
-            <a:pPr lvl="0"/>
-            <a:r>
-              <a:rPr lang="en-US" sz="2400" dirty="0"/>
-              <a:t>App Info</a:t>
-            </a:r>
-          </a:p>
-          <a:p>
-            <a:pPr lvl="0"/>
-            <a:r>
-              <a:rPr lang="en-US" sz="2400" dirty="0"/>
-              <a:t>Battery</a:t>
-            </a:r>
-          </a:p>
-          <a:p>
-            <a:pPr lvl="0"/>
-            <a:r>
-              <a:rPr lang="en-US" sz="2400" dirty="0"/>
-              <a:t>Browser</a:t>
-            </a:r>
-          </a:p>
-          <a:p>
-            <a:pPr lvl="0"/>
-            <a:r>
-              <a:rPr lang="en-US" sz="2400" dirty="0"/>
-              <a:t>Clipboard</a:t>
-            </a:r>
-          </a:p>
-          <a:p>
-            <a:pPr lvl="0"/>
-            <a:r>
-              <a:rPr lang="en-US" sz="2400" dirty="0"/>
-              <a:t>Compass</a:t>
-            </a:r>
-          </a:p>
-          <a:p>
-            <a:pPr lvl="0"/>
-            <a:r>
-              <a:rPr lang="en-US" sz="2400" dirty="0"/>
-              <a:t>Connectivity</a:t>
-            </a:r>
-          </a:p>
-          <a:p>
-            <a:pPr lvl="0"/>
-            <a:r>
-              <a:rPr lang="en-US" sz="2400" dirty="0"/>
-              <a:t>Data Transfer</a:t>
-            </a:r>
-          </a:p>
-          <a:p>
-            <a:pPr lvl="0"/>
-            <a:r>
-              <a:rPr lang="en-US" sz="2400" dirty="0"/>
-              <a:t>Device Display</a:t>
-            </a:r>
-          </a:p>
-          <a:p>
-            <a:pPr lvl="0"/>
-            <a:r>
-              <a:rPr lang="en-US" sz="2400" dirty="0"/>
-              <a:t>DeviceInfo</a:t>
-            </a:r>
-          </a:p>
-          <a:p>
-            <a:pPr lvl="0"/>
-            <a:r>
-              <a:rPr lang="en-US" sz="2400" dirty="0"/>
-              <a:t>Email</a:t>
-            </a:r>
-          </a:p>
-          <a:p>
-            <a:pPr lvl="0"/>
-            <a:r>
-              <a:rPr lang="en-US" sz="2400" dirty="0"/>
-              <a:t>File System</a:t>
-            </a:r>
-          </a:p>
-          <a:p>
-            <a:pPr lvl="0"/>
-            <a:r>
-              <a:rPr lang="en-US" sz="2400" dirty="0"/>
-              <a:t>Flashlight</a:t>
-            </a:r>
-          </a:p>
-          <a:p>
-            <a:pPr lvl="0"/>
-            <a:r>
-              <a:rPr lang="en-US" sz="2400" dirty="0"/>
-              <a:t>Geocoding</a:t>
-            </a:r>
-          </a:p>
-          <a:p>
-            <a:pPr lvl="0"/>
-            <a:r>
-              <a:rPr lang="en-US" sz="2400" dirty="0"/>
-              <a:t>Geolocation</a:t>
-            </a:r>
-          </a:p>
-          <a:p>
-            <a:pPr lvl="0"/>
-            <a:r>
-              <a:rPr lang="en-US" sz="2400" dirty="0"/>
-              <a:t>Gyroscope</a:t>
-            </a:r>
-          </a:p>
-          <a:p>
-            <a:pPr lvl="0"/>
-            <a:r>
-              <a:rPr lang="en-US" sz="2400" dirty="0"/>
-              <a:t>Magnetometer</a:t>
-            </a:r>
-          </a:p>
-          <a:p>
-            <a:pPr lvl="0"/>
-            <a:r>
-              <a:rPr lang="en-US" sz="2400" dirty="0"/>
-              <a:t>Orientation Sensor</a:t>
-            </a:r>
-          </a:p>
-          <a:p>
-            <a:pPr lvl="0"/>
-            <a:r>
-              <a:rPr lang="en-US" sz="2400" dirty="0"/>
-              <a:t>Phone Dialer</a:t>
-            </a:r>
-          </a:p>
-          <a:p>
-            <a:pPr lvl="0"/>
-            <a:r>
-              <a:rPr lang="en-US" sz="2400" dirty="0"/>
-              <a:t>Platform</a:t>
-            </a:r>
-          </a:p>
-          <a:p>
-            <a:pPr lvl="0"/>
-            <a:r>
-              <a:rPr lang="en-US" sz="2400" dirty="0"/>
-              <a:t>Preferences</a:t>
-            </a:r>
-          </a:p>
-          <a:p>
-            <a:pPr lvl="0"/>
-            <a:r>
-              <a:rPr lang="en-US" sz="2400" dirty="0"/>
-              <a:t>Screen Lock</a:t>
-            </a:r>
-          </a:p>
-          <a:p>
-            <a:pPr lvl="0"/>
-            <a:r>
-              <a:rPr lang="en-US" sz="2400" dirty="0"/>
-              <a:t>Secure Storage</a:t>
-            </a:r>
-          </a:p>
-          <a:p>
-            <a:pPr lvl="0"/>
-            <a:r>
-              <a:rPr lang="en-US" sz="2400" dirty="0"/>
-              <a:t>SMS</a:t>
-            </a:r>
-          </a:p>
-          <a:p>
-            <a:pPr lvl="0"/>
-            <a:r>
-              <a:rPr lang="en-US" sz="2400" dirty="0"/>
-              <a:t>Text-to-Speech</a:t>
-            </a:r>
-          </a:p>
-          <a:p>
-            <a:pPr lvl="0"/>
-            <a:r>
-              <a:rPr lang="en-US" sz="2400" dirty="0"/>
-              <a:t>Version Tracking</a:t>
-            </a:r>
-          </a:p>
-          <a:p>
-            <a:pPr lvl="0"/>
-            <a:r>
-              <a:rPr lang="en-US" sz="2400" dirty="0"/>
-              <a:t>Vibration</a:t>
+            <a:r>
+              <a:rPr lang="en-US" dirty="0"/>
+              <a:t>Set of core cross-platform APIs</a:t>
+            </a:r>
+          </a:p>
+          <a:p>
+            <a:r>
+              <a:rPr lang="en-US" dirty="0"/>
+              <a:t>.NET Standard 2.0 compatible</a:t>
+            </a:r>
+          </a:p>
+          <a:p>
+            <a:r>
+              <a:rPr lang="en-US" dirty="0"/>
+              <a:t>Supported Platforms</a:t>
+            </a:r>
+          </a:p>
+          <a:p>
+            <a:pPr lvl="1"/>
+            <a:r>
+              <a:rPr lang="en-US" dirty="0"/>
+              <a:t>Android 4.4</a:t>
+            </a:r>
+          </a:p>
+          <a:p>
+            <a:pPr lvl="1"/>
+            <a:r>
+              <a:rPr lang="en-US" dirty="0"/>
+              <a:t>iOS 11</a:t>
+            </a:r>
+          </a:p>
+          <a:p>
+            <a:pPr lvl="1"/>
+            <a:r>
+              <a:rPr lang="en-US" dirty="0"/>
+              <a:t>UWP Fall Creators Update</a:t>
+            </a:r>
+          </a:p>
+          <a:p>
+            <a:r>
+              <a:rPr lang="en-US" dirty="0"/>
+              <a:t>Almost no setup code</a:t>
+            </a:r>
+          </a:p>
+          <a:p>
+            <a:r>
+              <a:rPr lang="en-US" dirty="0"/>
+              <a:t>Could replace plugins for many use cases</a:t>
+            </a:r>
+          </a:p>
+          <a:p>
+            <a:r>
+              <a:rPr lang="en-US" dirty="0"/>
+              <a:t>Designed for mobile and cross-platform</a:t>
+            </a:r>
+          </a:p>
+          <a:p>
+            <a:r>
+              <a:rPr lang="en-US" dirty="0"/>
+              <a:t>Small and Linkable</a:t>
             </a:r>
           </a:p>
         </p:txBody>
@@ -18739,7 +20921,7 @@
     </p:spTree>
     <p:extLst>
       <p:ext uri="{BB962C8B-B14F-4D97-AF65-F5344CB8AC3E}">
-        <p14:creationId xmlns:p14="http://schemas.microsoft.com/office/powerpoint/2010/main" val="3957722359"/>
+        <p14:creationId xmlns:p14="http://schemas.microsoft.com/office/powerpoint/2010/main" val="1793706927"/>
       </p:ext>
     </p:extLst>
   </p:cSld>
@@ -18780,7 +20962,7 @@
       </p:grpSpPr>
       <p:sp>
         <p:nvSpPr>
-          <p:cNvPr id="4" name="Title 3"/>
+          <p:cNvPr id="17" name="Title 16"/>
           <p:cNvSpPr>
             <a:spLocks noGrp="1"/>
           </p:cNvSpPr>
@@ -18795,14 +20977,22 @@
           <a:p>
             <a:r>
               <a:rPr lang="en-US" dirty="0"/>
-              <a:t>Example Code – Preferences</a:t>
+              <a:t>What is in </a:t>
+            </a:r>
+            <a:r>
+              <a:rPr lang="en-US" dirty="0" err="1"/>
+              <a:t>Xamarin.Essentials</a:t>
+            </a:r>
+            <a:r>
+              <a:rPr lang="en-US" dirty="0"/>
+              <a:t>?</a:t>
             </a:r>
           </a:p>
         </p:txBody>
       </p:sp>
       <p:sp>
         <p:nvSpPr>
-          <p:cNvPr id="5" name="Text Placeholder 4"/>
+          <p:cNvPr id="6" name="Text Placeholder 5"/>
           <p:cNvSpPr>
             <a:spLocks noGrp="1"/>
           </p:cNvSpPr>
@@ -18812,76 +21002,208 @@
         </p:nvSpPr>
         <p:spPr>
           <a:xfrm>
-            <a:off x="584200" y="1436691"/>
-            <a:ext cx="7974014" cy="2523768"/>
+            <a:off x="584200" y="1436689"/>
+            <a:ext cx="7974014" cy="4832349"/>
           </a:xfrm>
         </p:spPr>
         <p:txBody>
-          <a:bodyPr/>
+          <a:bodyPr numCol="3" spcCol="182880"/>
           <a:lstStyle/>
           <a:p>
-            <a:r>
-              <a:rPr lang="en-US" sz="2000" dirty="0"/>
-              <a:t>using </a:t>
-            </a:r>
-            <a:r>
-              <a:rPr lang="en-US" sz="2000" dirty="0" err="1"/>
-              <a:t>Xamarin.Essentials</a:t>
-            </a:r>
-            <a:r>
-              <a:rPr lang="en-US" sz="2000" dirty="0"/>
-              <a:t>;</a:t>
-            </a:r>
-          </a:p>
-          <a:p>
-            <a:endParaRPr lang="en-US" sz="2000" dirty="0"/>
-          </a:p>
-          <a:p>
-            <a:r>
-              <a:rPr lang="en-US" sz="2000" dirty="0"/>
-              <a:t>// get a value from the preferences</a:t>
-            </a:r>
-          </a:p>
-          <a:p>
-            <a:r>
-              <a:rPr lang="en-US" sz="2000" dirty="0"/>
-              <a:t>string value = </a:t>
-            </a:r>
-            <a:r>
-              <a:rPr lang="en-US" sz="2000" dirty="0" err="1"/>
-              <a:t>Preferences.Get</a:t>
-            </a:r>
-            <a:r>
-              <a:rPr lang="en-US" sz="2000" dirty="0"/>
-              <a:t>("KEY", </a:t>
-            </a:r>
-            <a:r>
-              <a:rPr lang="en-US" sz="2000" dirty="0" err="1"/>
-              <a:t>string.Empty</a:t>
-            </a:r>
-            <a:r>
-              <a:rPr lang="en-US" sz="2000" dirty="0"/>
-              <a:t>);</a:t>
-            </a:r>
-          </a:p>
-          <a:p>
-            <a:endParaRPr lang="en-US" sz="2000" dirty="0"/>
-          </a:p>
-          <a:p>
-            <a:r>
-              <a:rPr lang="en-US" sz="2000" dirty="0"/>
-              <a:t>// set a value in the preferences</a:t>
-            </a:r>
-          </a:p>
-          <a:p>
-            <a:endParaRPr lang="en-US" sz="2000" dirty="0"/>
+            <a:pPr lvl="0"/>
+            <a:r>
+              <a:rPr lang="en-US" sz="2400" dirty="0"/>
+              <a:t>Accelerometer</a:t>
+            </a:r>
+          </a:p>
+          <a:p>
+            <a:pPr lvl="0"/>
+            <a:r>
+              <a:rPr lang="en-US" sz="2400" dirty="0"/>
+              <a:t>App Info</a:t>
+            </a:r>
+          </a:p>
+          <a:p>
+            <a:pPr lvl="0"/>
+            <a:r>
+              <a:rPr lang="en-US" sz="2400" dirty="0"/>
+              <a:t>Battery</a:t>
+            </a:r>
+          </a:p>
+          <a:p>
+            <a:pPr lvl="0"/>
+            <a:r>
+              <a:rPr lang="en-US" sz="2400" dirty="0"/>
+              <a:t>Browser</a:t>
+            </a:r>
+          </a:p>
+          <a:p>
+            <a:pPr lvl="0"/>
+            <a:r>
+              <a:rPr lang="en-US" sz="2400" dirty="0"/>
+              <a:t>Clipboard</a:t>
+            </a:r>
+          </a:p>
+          <a:p>
+            <a:pPr lvl="0"/>
+            <a:r>
+              <a:rPr lang="en-US" sz="2400" dirty="0"/>
+              <a:t>Compass</a:t>
+            </a:r>
+          </a:p>
+          <a:p>
+            <a:pPr lvl="0"/>
+            <a:r>
+              <a:rPr lang="en-US" sz="2400" dirty="0"/>
+              <a:t>Connectivity</a:t>
+            </a:r>
+          </a:p>
+          <a:p>
+            <a:pPr lvl="0"/>
+            <a:r>
+              <a:rPr lang="en-US" sz="2400" dirty="0"/>
+              <a:t>Data Transfer</a:t>
+            </a:r>
+          </a:p>
+          <a:p>
+            <a:pPr lvl="0"/>
+            <a:r>
+              <a:rPr lang="en-US" sz="2400" dirty="0"/>
+              <a:t>Device Display</a:t>
+            </a:r>
+          </a:p>
+          <a:p>
+            <a:pPr lvl="0"/>
+            <a:r>
+              <a:rPr lang="en-US" sz="2400" dirty="0"/>
+              <a:t>Device Info</a:t>
+            </a:r>
+          </a:p>
+          <a:p>
+            <a:pPr lvl="0"/>
+            <a:r>
+              <a:rPr lang="en-US" sz="2400" dirty="0"/>
+              <a:t>Email</a:t>
+            </a:r>
+          </a:p>
+          <a:p>
+            <a:pPr lvl="0"/>
+            <a:r>
+              <a:rPr lang="en-US" sz="2400" dirty="0"/>
+              <a:t>File System</a:t>
+            </a:r>
+          </a:p>
+          <a:p>
+            <a:pPr lvl="0"/>
+            <a:r>
+              <a:rPr lang="en-US" sz="2400" dirty="0"/>
+              <a:t>Flashlight</a:t>
+            </a:r>
+          </a:p>
+          <a:p>
+            <a:pPr lvl="0"/>
+            <a:r>
+              <a:rPr lang="en-US" sz="2400" dirty="0"/>
+              <a:t>Geocoding</a:t>
+            </a:r>
+          </a:p>
+          <a:p>
+            <a:pPr lvl="0"/>
+            <a:r>
+              <a:rPr lang="en-US" sz="2400" dirty="0"/>
+              <a:t>Geolocation</a:t>
+            </a:r>
+          </a:p>
+          <a:p>
+            <a:pPr lvl="0"/>
+            <a:r>
+              <a:rPr lang="en-US" sz="2400" dirty="0"/>
+              <a:t>Gyroscope</a:t>
+            </a:r>
+          </a:p>
+          <a:p>
+            <a:pPr lvl="0"/>
+            <a:r>
+              <a:rPr lang="en-US" sz="2400" dirty="0"/>
+              <a:t>Magnetometer</a:t>
+            </a:r>
+          </a:p>
+          <a:p>
+            <a:pPr lvl="0"/>
+            <a:r>
+              <a:rPr lang="en-US" sz="2400" dirty="0"/>
+              <a:t>Orientation Sensor</a:t>
+            </a:r>
+          </a:p>
+          <a:p>
+            <a:pPr lvl="0"/>
+            <a:r>
+              <a:rPr lang="en-US" sz="2400" dirty="0"/>
+              <a:t>Phone Dialer</a:t>
+            </a:r>
+          </a:p>
+          <a:p>
+            <a:pPr lvl="0"/>
+            <a:r>
+              <a:rPr lang="en-US" sz="2400" dirty="0"/>
+              <a:t>Platform</a:t>
+            </a:r>
+          </a:p>
+          <a:p>
+            <a:pPr lvl="0"/>
+            <a:r>
+              <a:rPr lang="en-US" sz="2400" dirty="0"/>
+              <a:t>Preferences</a:t>
+            </a:r>
+          </a:p>
+          <a:p>
+            <a:pPr lvl="0"/>
+            <a:r>
+              <a:rPr lang="en-US" sz="2400" dirty="0"/>
+              <a:t>Screen Lock</a:t>
+            </a:r>
+          </a:p>
+          <a:p>
+            <a:pPr lvl="0"/>
+            <a:r>
+              <a:rPr lang="en-US" sz="2400" dirty="0"/>
+              <a:t>Secure Storage</a:t>
+            </a:r>
+          </a:p>
+          <a:p>
+            <a:pPr lvl="0"/>
+            <a:r>
+              <a:rPr lang="en-US" sz="2400" dirty="0"/>
+              <a:t>SMS</a:t>
+            </a:r>
+          </a:p>
+          <a:p>
+            <a:pPr lvl="0"/>
+            <a:r>
+              <a:rPr lang="en-US" sz="2400" dirty="0"/>
+              <a:t>Text-to-Speech</a:t>
+            </a:r>
+          </a:p>
+          <a:p>
+            <a:pPr lvl="0"/>
+            <a:r>
+              <a:rPr lang="en-US" sz="2400" dirty="0"/>
+              <a:t>Version Tracking</a:t>
+            </a:r>
+          </a:p>
+          <a:p>
+            <a:pPr lvl="0"/>
+            <a:r>
+              <a:rPr lang="en-US" sz="2400" dirty="0"/>
+              <a:t>Vibration</a:t>
+            </a:r>
           </a:p>
         </p:txBody>
       </p:sp>
     </p:spTree>
     <p:extLst>
       <p:ext uri="{BB962C8B-B14F-4D97-AF65-F5344CB8AC3E}">
-        <p14:creationId xmlns:p14="http://schemas.microsoft.com/office/powerpoint/2010/main" val="1443974982"/>
+        <p14:creationId xmlns:p14="http://schemas.microsoft.com/office/powerpoint/2010/main" val="3957722359"/>
       </p:ext>
     </p:extLst>
   </p:cSld>
@@ -18922,7 +21244,7 @@
       </p:grpSpPr>
       <p:sp>
         <p:nvSpPr>
-          <p:cNvPr id="3" name="Title 2"/>
+          <p:cNvPr id="4" name="Title 3"/>
           <p:cNvSpPr>
             <a:spLocks noGrp="1"/>
           </p:cNvSpPr>
@@ -18936,31 +21258,144 @@
           <a:lstStyle/>
           <a:p>
             <a:r>
-              <a:rPr lang="en-US"/>
-              <a:t>Demo</a:t>
-            </a:r>
-            <a:endParaRPr lang="en-US" dirty="0"/>
+              <a:rPr lang="en-US" dirty="0"/>
+              <a:t>Example Code</a:t>
+            </a:r>
           </a:p>
         </p:txBody>
       </p:sp>
       <p:sp>
         <p:nvSpPr>
-          <p:cNvPr id="4" name="Text Placeholder 3"/>
+          <p:cNvPr id="5" name="Text Placeholder 4"/>
           <p:cNvSpPr>
             <a:spLocks noGrp="1"/>
           </p:cNvSpPr>
           <p:nvPr>
-            <p:ph type="body" sz="quarter" idx="12"/>
+            <p:ph type="body" sz="quarter" idx="10"/>
           </p:nvPr>
         </p:nvSpPr>
-        <p:spPr/>
+        <p:spPr>
+          <a:xfrm>
+            <a:off x="584200" y="1436691"/>
+            <a:ext cx="7974014" cy="4265783"/>
+          </a:xfrm>
+        </p:spPr>
         <p:txBody>
           <a:bodyPr/>
           <a:lstStyle/>
           <a:p>
             <a:r>
-              <a:rPr lang="en-US" dirty="0"/>
-              <a:t>Getting Started with Geography</a:t>
+              <a:rPr lang="en-US" sz="1800" dirty="0"/>
+              <a:t>using </a:t>
+            </a:r>
+            <a:r>
+              <a:rPr lang="en-US" sz="1800" dirty="0" err="1"/>
+              <a:t>Xamarin.Essentials</a:t>
+            </a:r>
+            <a:r>
+              <a:rPr lang="en-US" sz="1800" dirty="0"/>
+              <a:t>;</a:t>
+            </a:r>
+          </a:p>
+          <a:p>
+            <a:endParaRPr lang="en-US" sz="1800" dirty="0"/>
+          </a:p>
+          <a:p>
+            <a:endParaRPr lang="en-US" sz="1800" dirty="0"/>
+          </a:p>
+          <a:p>
+            <a:r>
+              <a:rPr lang="en-US" sz="1800" dirty="0"/>
+              <a:t>// get a value from the preferences</a:t>
+            </a:r>
+          </a:p>
+          <a:p>
+            <a:r>
+              <a:rPr lang="en-US" sz="1800" dirty="0"/>
+              <a:t>string value = </a:t>
+            </a:r>
+            <a:r>
+              <a:rPr lang="en-US" sz="1800" dirty="0" err="1"/>
+              <a:t>Preferences.Get</a:t>
+            </a:r>
+            <a:r>
+              <a:rPr lang="en-US" sz="1800" dirty="0"/>
+              <a:t>("KEY", </a:t>
+            </a:r>
+            <a:r>
+              <a:rPr lang="en-US" sz="1800" dirty="0" err="1"/>
+              <a:t>string.Empty</a:t>
+            </a:r>
+            <a:r>
+              <a:rPr lang="en-US" sz="1800" dirty="0"/>
+              <a:t>);</a:t>
+            </a:r>
+          </a:p>
+          <a:p>
+            <a:endParaRPr lang="en-US" sz="1800" dirty="0"/>
+          </a:p>
+          <a:p>
+            <a:r>
+              <a:rPr lang="en-US" sz="1800" dirty="0"/>
+              <a:t>// set a value in the preferences</a:t>
+            </a:r>
+          </a:p>
+          <a:p>
+            <a:r>
+              <a:rPr lang="en-US" sz="1800" dirty="0" err="1"/>
+              <a:t>Preferences.Set</a:t>
+            </a:r>
+            <a:r>
+              <a:rPr lang="en-US" sz="1800" dirty="0"/>
+              <a:t>("KEY", "value");</a:t>
+            </a:r>
+          </a:p>
+          <a:p>
+            <a:endParaRPr lang="en-US" sz="1800" dirty="0"/>
+          </a:p>
+          <a:p>
+            <a:endParaRPr lang="en-US" sz="1800" dirty="0"/>
+          </a:p>
+          <a:p>
+            <a:r>
+              <a:rPr lang="en-US" sz="1800" dirty="0"/>
+              <a:t>// complex example</a:t>
+            </a:r>
+          </a:p>
+          <a:p>
+            <a:r>
+              <a:rPr lang="en-US" sz="1800" dirty="0"/>
+              <a:t>var request = new </a:t>
+            </a:r>
+            <a:r>
+              <a:rPr lang="en-US" sz="1800" dirty="0" err="1"/>
+              <a:t>GeolocationRequest</a:t>
+            </a:r>
+            <a:r>
+              <a:rPr lang="en-US" sz="1800" dirty="0"/>
+              <a:t>(</a:t>
+            </a:r>
+            <a:r>
+              <a:rPr lang="en-US" sz="1800" dirty="0" err="1"/>
+              <a:t>GeolocationAccuracy.Best</a:t>
+            </a:r>
+            <a:r>
+              <a:rPr lang="en-US" sz="1800" dirty="0"/>
+              <a:t>);</a:t>
+            </a:r>
+          </a:p>
+          <a:p>
+            <a:r>
+              <a:rPr lang="en-US" sz="1800" dirty="0"/>
+              <a:t>var location = await </a:t>
+            </a:r>
+            <a:r>
+              <a:rPr lang="en-US" sz="1800" dirty="0" err="1"/>
+              <a:t>Geolocation.GetLocationAsync</a:t>
+            </a:r>
+            <a:r>
+              <a:rPr lang="en-US" sz="1800" dirty="0"/>
+              <a:t>(request);</a:t>
             </a:r>
           </a:p>
         </p:txBody>
@@ -18968,7 +21403,7 @@
     </p:spTree>
     <p:extLst>
       <p:ext uri="{BB962C8B-B14F-4D97-AF65-F5344CB8AC3E}">
-        <p14:creationId xmlns:p14="http://schemas.microsoft.com/office/powerpoint/2010/main" val="3521717810"/>
+        <p14:creationId xmlns:p14="http://schemas.microsoft.com/office/powerpoint/2010/main" val="1443974982"/>
       </p:ext>
     </p:extLst>
   </p:cSld>
@@ -19009,7 +21444,7 @@
       </p:grpSpPr>
       <p:sp>
         <p:nvSpPr>
-          <p:cNvPr id="4" name="Title 3"/>
+          <p:cNvPr id="3" name="Title 2"/>
           <p:cNvSpPr>
             <a:spLocks noGrp="1"/>
           </p:cNvSpPr>
@@ -19023,228 +21458,31 @@
           <a:lstStyle/>
           <a:p>
             <a:r>
-              <a:rPr lang="en-US" dirty="0"/>
-              <a:t>Setup Code for Android</a:t>
-            </a:r>
+              <a:rPr lang="en-US"/>
+              <a:t>Demo</a:t>
+            </a:r>
+            <a:endParaRPr lang="en-US" dirty="0"/>
           </a:p>
         </p:txBody>
       </p:sp>
       <p:sp>
         <p:nvSpPr>
-          <p:cNvPr id="5" name="Text Placeholder 4"/>
+          <p:cNvPr id="4" name="Text Placeholder 3"/>
           <p:cNvSpPr>
             <a:spLocks noGrp="1"/>
           </p:cNvSpPr>
           <p:nvPr>
-            <p:ph type="body" sz="quarter" idx="10"/>
+            <p:ph type="body" sz="quarter" idx="12"/>
           </p:nvPr>
         </p:nvSpPr>
-        <p:spPr>
-          <a:xfrm>
-            <a:off x="584200" y="1436691"/>
-            <a:ext cx="7974014" cy="4610493"/>
-          </a:xfrm>
-        </p:spPr>
+        <p:spPr/>
         <p:txBody>
           <a:bodyPr/>
           <a:lstStyle/>
           <a:p>
             <a:r>
-              <a:rPr lang="en-US" sz="1400" dirty="0"/>
-              <a:t>using </a:t>
-            </a:r>
-            <a:r>
-              <a:rPr lang="en-US" sz="1400" dirty="0" err="1"/>
-              <a:t>Xamarin.Essentials</a:t>
-            </a:r>
-            <a:r>
-              <a:rPr lang="en-US" sz="1400" dirty="0"/>
-              <a:t>;</a:t>
-            </a:r>
-          </a:p>
-          <a:p>
-            <a:endParaRPr lang="en-US" sz="1400" dirty="0"/>
-          </a:p>
-          <a:p>
-            <a:r>
-              <a:rPr lang="en-US" sz="1400" dirty="0"/>
-              <a:t>protected override void </a:t>
-            </a:r>
-            <a:r>
-              <a:rPr lang="en-US" sz="1400" dirty="0" err="1"/>
-              <a:t>OnCreate</a:t>
-            </a:r>
-            <a:r>
-              <a:rPr lang="en-US" sz="1400" dirty="0"/>
-              <a:t>(Bundle bundle) {</a:t>
-            </a:r>
-          </a:p>
-          <a:p>
-            <a:r>
-              <a:rPr lang="en-US" sz="1400" dirty="0"/>
-              <a:t>    // ...</a:t>
-            </a:r>
-          </a:p>
-          <a:p>
-            <a:endParaRPr lang="en-US" sz="1400" dirty="0"/>
-          </a:p>
-          <a:p>
-            <a:r>
-              <a:rPr lang="en-US" sz="1400" dirty="0"/>
-              <a:t>    // initialize </a:t>
-            </a:r>
-            <a:r>
-              <a:rPr lang="en-US" sz="1400" dirty="0" err="1"/>
-              <a:t>Xamarin.Essentials</a:t>
-            </a:r>
-            <a:endParaRPr lang="en-US" sz="1400" dirty="0"/>
-          </a:p>
-          <a:p>
-            <a:r>
-              <a:rPr lang="en-US" sz="1400" dirty="0"/>
-              <a:t>    </a:t>
-            </a:r>
-            <a:r>
-              <a:rPr lang="en-US" sz="1400" b="1" dirty="0" err="1"/>
-              <a:t>Platform.Init</a:t>
-            </a:r>
-            <a:r>
-              <a:rPr lang="en-US" sz="1400" b="1" dirty="0"/>
-              <a:t>(this, bundle);</a:t>
-            </a:r>
-          </a:p>
-          <a:p>
-            <a:r>
-              <a:rPr lang="en-US" sz="1400" dirty="0"/>
-              <a:t>}</a:t>
-            </a:r>
-          </a:p>
-          <a:p>
-            <a:endParaRPr lang="en-US" sz="1400" dirty="0"/>
-          </a:p>
-          <a:p>
-            <a:r>
-              <a:rPr lang="en-US" sz="1400" dirty="0"/>
-              <a:t>public override void </a:t>
-            </a:r>
-            <a:r>
-              <a:rPr lang="en-US" sz="1400" dirty="0" err="1"/>
-              <a:t>OnRequestPermissionsResult</a:t>
-            </a:r>
-            <a:r>
-              <a:rPr lang="en-US" sz="1400" dirty="0"/>
-              <a:t>(</a:t>
-            </a:r>
-          </a:p>
-          <a:p>
-            <a:r>
-              <a:rPr lang="en-US" sz="1400" dirty="0"/>
-              <a:t>        int </a:t>
-            </a:r>
-            <a:r>
-              <a:rPr lang="en-US" sz="1400" dirty="0" err="1"/>
-              <a:t>requestCode</a:t>
-            </a:r>
-            <a:r>
-              <a:rPr lang="en-US" sz="1400" dirty="0"/>
-              <a:t>, string[] permissions, Permission[] </a:t>
-            </a:r>
-            <a:r>
-              <a:rPr lang="en-US" sz="1400" dirty="0" err="1"/>
-              <a:t>grantResults</a:t>
-            </a:r>
-            <a:r>
-              <a:rPr lang="en-US" sz="1400" dirty="0"/>
-              <a:t>) {</a:t>
-            </a:r>
-          </a:p>
-          <a:p>
-            <a:endParaRPr lang="en-US" sz="1400" dirty="0"/>
-          </a:p>
-          <a:p>
-            <a:r>
-              <a:rPr lang="en-US" sz="1400" dirty="0"/>
-              <a:t>    // pass the permission result on to </a:t>
-            </a:r>
-            <a:r>
-              <a:rPr lang="en-US" sz="1400" dirty="0" err="1"/>
-              <a:t>Xamarin.Essentials</a:t>
-            </a:r>
-            <a:endParaRPr lang="en-US" sz="1400" dirty="0"/>
-          </a:p>
-          <a:p>
-            <a:r>
-              <a:rPr lang="en-US" sz="1400" dirty="0"/>
-              <a:t>    </a:t>
-            </a:r>
-            <a:r>
-              <a:rPr lang="en-US" sz="1400" b="1" dirty="0" err="1"/>
-              <a:t>Platform.OnRequestPermissionsResult</a:t>
-            </a:r>
-            <a:r>
-              <a:rPr lang="en-US" sz="1400" b="1" dirty="0"/>
-              <a:t>(</a:t>
-            </a:r>
-            <a:r>
-              <a:rPr lang="en-US" sz="1400" b="1" dirty="0" err="1"/>
-              <a:t>requestCode</a:t>
-            </a:r>
-            <a:r>
-              <a:rPr lang="en-US" sz="1400" b="1" dirty="0"/>
-              <a:t>, permissions, </a:t>
-            </a:r>
-            <a:r>
-              <a:rPr lang="en-US" sz="1400" b="1" dirty="0" err="1"/>
-              <a:t>grantResults</a:t>
-            </a:r>
-            <a:r>
-              <a:rPr lang="en-US" sz="1400" b="1" dirty="0"/>
-              <a:t>);</a:t>
-            </a:r>
-          </a:p>
-          <a:p>
-            <a:endParaRPr lang="en-US" sz="1400" dirty="0"/>
-          </a:p>
-          <a:p>
-            <a:r>
-              <a:rPr lang="en-US" sz="1400" dirty="0"/>
-              <a:t>    // continue as normal</a:t>
-            </a:r>
-          </a:p>
-          <a:p>
-            <a:r>
-              <a:rPr lang="en-US" sz="1400" dirty="0"/>
-              <a:t>    </a:t>
-            </a:r>
-            <a:r>
-              <a:rPr lang="fr-FR" sz="1400" dirty="0" err="1"/>
-              <a:t>base.OnRequestPermissionsResult</a:t>
-            </a:r>
-            <a:r>
-              <a:rPr lang="fr-FR" sz="1400" dirty="0"/>
-              <a:t>(</a:t>
-            </a:r>
-            <a:r>
-              <a:rPr lang="fr-FR" sz="1400" dirty="0" err="1"/>
-              <a:t>requestCode</a:t>
-            </a:r>
-            <a:r>
-              <a:rPr lang="fr-FR" sz="1400" dirty="0"/>
-              <a:t>, permissions, </a:t>
-            </a:r>
-            <a:r>
-              <a:rPr lang="fr-FR" sz="1400" dirty="0" err="1"/>
-              <a:t>grantResults</a:t>
-            </a:r>
-            <a:r>
-              <a:rPr lang="fr-FR" sz="1400" dirty="0"/>
-              <a:t>);</a:t>
-            </a:r>
-          </a:p>
-          <a:p>
-            <a:r>
-              <a:rPr lang="en-US" sz="1400" dirty="0"/>
-              <a:t>}</a:t>
+              <a:rPr lang="en-US" dirty="0"/>
+              <a:t>Getting Started with Geography</a:t>
             </a:r>
           </a:p>
         </p:txBody>
@@ -19252,7 +21490,7 @@
     </p:spTree>
     <p:extLst>
       <p:ext uri="{BB962C8B-B14F-4D97-AF65-F5344CB8AC3E}">
-        <p14:creationId xmlns:p14="http://schemas.microsoft.com/office/powerpoint/2010/main" val="1041029672"/>
+        <p14:creationId xmlns:p14="http://schemas.microsoft.com/office/powerpoint/2010/main" val="3521717810"/>
       </p:ext>
     </p:extLst>
   </p:cSld>
@@ -19293,7 +21531,7 @@
       </p:grpSpPr>
       <p:sp>
         <p:nvSpPr>
-          <p:cNvPr id="17" name="Title 16"/>
+          <p:cNvPr id="4" name="Title 3"/>
           <p:cNvSpPr>
             <a:spLocks noGrp="1"/>
           </p:cNvSpPr>
@@ -19308,14 +21546,14 @@
           <a:p>
             <a:r>
               <a:rPr lang="en-US" dirty="0"/>
-              <a:t>Links</a:t>
+              <a:t>Setup Code for Android</a:t>
             </a:r>
           </a:p>
         </p:txBody>
       </p:sp>
       <p:sp>
         <p:nvSpPr>
-          <p:cNvPr id="6" name="Text Placeholder 5"/>
+          <p:cNvPr id="5" name="Text Placeholder 4"/>
           <p:cNvSpPr>
             <a:spLocks noGrp="1"/>
           </p:cNvSpPr>
@@ -19325,125 +21563,210 @@
         </p:nvSpPr>
         <p:spPr>
           <a:xfrm>
-            <a:off x="584200" y="1435498"/>
-            <a:ext cx="7974011" cy="4167295"/>
+            <a:off x="584200" y="1436691"/>
+            <a:ext cx="7974014" cy="4610493"/>
           </a:xfrm>
         </p:spPr>
         <p:txBody>
           <a:bodyPr/>
           <a:lstStyle/>
           <a:p>
-            <a:pPr marL="0" indent="0">
-              <a:buNone/>
-            </a:pPr>
-            <a:r>
-              <a:rPr lang="en-US" dirty="0"/>
-              <a:t>Source Code</a:t>
-            </a:r>
-          </a:p>
-          <a:p>
-            <a:pPr marL="228595" lvl="1" indent="0">
-              <a:buNone/>
-            </a:pPr>
-            <a:r>
-              <a:rPr lang="en-US" dirty="0">
-                <a:hlinkClick r:id="rId3"/>
-              </a:rPr>
-              <a:t>https://github.com/xamarin/Essentials</a:t>
-            </a:r>
-            <a:endParaRPr lang="en-US" dirty="0"/>
-          </a:p>
-          <a:p>
-            <a:pPr marL="0" indent="0">
-              <a:buNone/>
-            </a:pPr>
-            <a:r>
-              <a:rPr lang="en-US" dirty="0"/>
-              <a:t>Documentation</a:t>
-            </a:r>
-          </a:p>
-          <a:p>
-            <a:pPr marL="228595" lvl="1" indent="0">
-              <a:buNone/>
-            </a:pPr>
-            <a:r>
-              <a:rPr lang="en-US" dirty="0">
-                <a:hlinkClick r:id="rId4"/>
-              </a:rPr>
-              <a:t>https://docs.microsoft.com/en-us/xamarin/essentials</a:t>
-            </a:r>
-            <a:endParaRPr lang="en-US" dirty="0"/>
-          </a:p>
-          <a:p>
-            <a:pPr marL="0" indent="0">
-              <a:buNone/>
-            </a:pPr>
-            <a:r>
-              <a:rPr lang="en-US" dirty="0"/>
-              <a:t>API Documentation</a:t>
-            </a:r>
-          </a:p>
-          <a:p>
-            <a:pPr marL="228595" lvl="1" indent="0">
-              <a:buNone/>
-            </a:pPr>
-            <a:r>
-              <a:rPr lang="en-US" dirty="0">
-                <a:hlinkClick r:id="rId5"/>
-              </a:rPr>
-              <a:t>https://docs.microsoft.com/en-us/dotnet/api/xamarin.essentials</a:t>
-            </a:r>
-            <a:r>
-              <a:rPr lang="en-US" dirty="0"/>
-              <a:t> </a:t>
-            </a:r>
-          </a:p>
-          <a:p>
-            <a:pPr marL="0" indent="0">
-              <a:buNone/>
-            </a:pPr>
-            <a:r>
-              <a:rPr lang="en-US" dirty="0"/>
-              <a:t>Development NuGet Feed</a:t>
-            </a:r>
-          </a:p>
-          <a:p>
-            <a:pPr marL="228595" lvl="1" indent="0">
-              <a:buNone/>
-            </a:pPr>
-            <a:r>
-              <a:rPr lang="en-US" dirty="0">
-                <a:hlinkClick r:id="rId6"/>
-              </a:rPr>
-              <a:t>https://www.myget.org/F/xamarin-essentials/api/v3/index.json</a:t>
-            </a:r>
-            <a:r>
-              <a:rPr lang="en-US" dirty="0"/>
-              <a:t> </a:t>
-            </a:r>
-          </a:p>
-          <a:p>
-            <a:pPr marL="0" indent="0">
-              <a:buNone/>
-            </a:pPr>
-            <a:r>
-              <a:rPr lang="en-US" dirty="0"/>
-              <a:t>Demo Source Code</a:t>
-            </a:r>
-          </a:p>
-          <a:p>
-            <a:pPr marL="228595" lvl="1" indent="0">
-              <a:buNone/>
-            </a:pPr>
-            <a:r>
-              <a:rPr lang="en-US" dirty="0">
-                <a:hlinkClick r:id="rId7"/>
-              </a:rPr>
-              <a:t>https://github.com/mattleibow/EssentialsDemo</a:t>
-            </a:r>
-            <a:r>
-              <a:rPr lang="en-US" dirty="0"/>
-              <a:t> </a:t>
+            <a:r>
+              <a:rPr lang="en-US" sz="1400" dirty="0"/>
+              <a:t>using </a:t>
+            </a:r>
+            <a:r>
+              <a:rPr lang="en-US" sz="1400" dirty="0" err="1"/>
+              <a:t>Xamarin.Essentials</a:t>
+            </a:r>
+            <a:r>
+              <a:rPr lang="en-US" sz="1400" dirty="0"/>
+              <a:t>;</a:t>
+            </a:r>
+          </a:p>
+          <a:p>
+            <a:endParaRPr lang="en-US" sz="1400" dirty="0"/>
+          </a:p>
+          <a:p>
+            <a:r>
+              <a:rPr lang="en-US" sz="1400" dirty="0"/>
+              <a:t>protected override void </a:t>
+            </a:r>
+            <a:r>
+              <a:rPr lang="en-US" sz="1400" dirty="0" err="1"/>
+              <a:t>OnCreate</a:t>
+            </a:r>
+            <a:r>
+              <a:rPr lang="en-US" sz="1400" dirty="0"/>
+              <a:t>(Bundle bundle) {</a:t>
+            </a:r>
+          </a:p>
+          <a:p>
+            <a:r>
+              <a:rPr lang="en-US" sz="1400" dirty="0"/>
+              <a:t>    // ...</a:t>
+            </a:r>
+          </a:p>
+          <a:p>
+            <a:endParaRPr lang="en-US" sz="1400" dirty="0"/>
+          </a:p>
+          <a:p>
+            <a:r>
+              <a:rPr lang="en-US" sz="1400" dirty="0"/>
+              <a:t>    // initialize </a:t>
+            </a:r>
+            <a:r>
+              <a:rPr lang="en-US" sz="1400" dirty="0" err="1"/>
+              <a:t>Xamarin.Essentials</a:t>
+            </a:r>
+            <a:endParaRPr lang="en-US" sz="1400" dirty="0"/>
+          </a:p>
+          <a:p>
+            <a:r>
+              <a:rPr lang="en-US" sz="1400" dirty="0"/>
+              <a:t>    </a:t>
+            </a:r>
+            <a:r>
+              <a:rPr lang="en-US" sz="1400" b="1" dirty="0" err="1"/>
+              <a:t>Platform.Init</a:t>
+            </a:r>
+            <a:r>
+              <a:rPr lang="en-US" sz="1400" b="1" dirty="0"/>
+              <a:t>(this, bundle);</a:t>
+            </a:r>
+          </a:p>
+          <a:p>
+            <a:r>
+              <a:rPr lang="en-US" sz="1400" dirty="0"/>
+              <a:t>}</a:t>
+            </a:r>
+          </a:p>
+          <a:p>
+            <a:endParaRPr lang="en-US" sz="1400" dirty="0"/>
+          </a:p>
+          <a:p>
+            <a:r>
+              <a:rPr lang="en-US" sz="1400" dirty="0"/>
+              <a:t>public override void </a:t>
+            </a:r>
+            <a:r>
+              <a:rPr lang="en-US" sz="1400" dirty="0" err="1"/>
+              <a:t>OnRequestPermissionsResult</a:t>
+            </a:r>
+            <a:r>
+              <a:rPr lang="en-US" sz="1400" dirty="0"/>
+              <a:t>(</a:t>
+            </a:r>
+          </a:p>
+          <a:p>
+            <a:r>
+              <a:rPr lang="en-US" sz="1400" dirty="0"/>
+              <a:t>        int </a:t>
+            </a:r>
+            <a:r>
+              <a:rPr lang="en-US" sz="1400" dirty="0" err="1"/>
+              <a:t>requestCode</a:t>
+            </a:r>
+            <a:r>
+              <a:rPr lang="en-US" sz="1400" dirty="0"/>
+              <a:t>, string[] permissions, Permission[] </a:t>
+            </a:r>
+            <a:r>
+              <a:rPr lang="en-US" sz="1400" dirty="0" err="1"/>
+              <a:t>grantResults</a:t>
+            </a:r>
+            <a:r>
+              <a:rPr lang="en-US" sz="1400" dirty="0"/>
+              <a:t>) {</a:t>
+            </a:r>
+          </a:p>
+          <a:p>
+            <a:endParaRPr lang="en-US" sz="1400" dirty="0"/>
+          </a:p>
+          <a:p>
+            <a:r>
+              <a:rPr lang="en-US" sz="1400" dirty="0"/>
+              <a:t>    // pass the permission result on to </a:t>
+            </a:r>
+            <a:r>
+              <a:rPr lang="en-US" sz="1400" dirty="0" err="1"/>
+              <a:t>Xamarin.Essentials</a:t>
+            </a:r>
+            <a:endParaRPr lang="en-US" sz="1400" dirty="0"/>
+          </a:p>
+          <a:p>
+            <a:r>
+              <a:rPr lang="en-US" sz="1400" dirty="0"/>
+              <a:t>    </a:t>
+            </a:r>
+            <a:r>
+              <a:rPr lang="en-US" sz="1400" b="1" dirty="0" err="1"/>
+              <a:t>Platform.OnRequestPermissionsResult</a:t>
+            </a:r>
+            <a:r>
+              <a:rPr lang="en-US" sz="1400" b="1" dirty="0"/>
+              <a:t>(</a:t>
+            </a:r>
+            <a:r>
+              <a:rPr lang="en-US" sz="1400" b="1" dirty="0" err="1"/>
+              <a:t>requestCode</a:t>
+            </a:r>
+            <a:r>
+              <a:rPr lang="en-US" sz="1400" b="1" dirty="0"/>
+              <a:t>, permissions, </a:t>
+            </a:r>
+            <a:r>
+              <a:rPr lang="en-US" sz="1400" b="1" dirty="0" err="1"/>
+              <a:t>grantResults</a:t>
+            </a:r>
+            <a:r>
+              <a:rPr lang="en-US" sz="1400" b="1" dirty="0"/>
+              <a:t>);</a:t>
+            </a:r>
+          </a:p>
+          <a:p>
+            <a:endParaRPr lang="en-US" sz="1400" dirty="0"/>
+          </a:p>
+          <a:p>
+            <a:r>
+              <a:rPr lang="en-US" sz="1400" dirty="0"/>
+              <a:t>    // continue as normal</a:t>
+            </a:r>
+          </a:p>
+          <a:p>
+            <a:r>
+              <a:rPr lang="en-US" sz="1400" dirty="0"/>
+              <a:t>    </a:t>
+            </a:r>
+            <a:r>
+              <a:rPr lang="fr-FR" sz="1400" dirty="0" err="1"/>
+              <a:t>base.OnRequestPermissionsResult</a:t>
+            </a:r>
+            <a:r>
+              <a:rPr lang="fr-FR" sz="1400" dirty="0"/>
+              <a:t>(</a:t>
+            </a:r>
+            <a:r>
+              <a:rPr lang="fr-FR" sz="1400" dirty="0" err="1"/>
+              <a:t>requestCode</a:t>
+            </a:r>
+            <a:r>
+              <a:rPr lang="fr-FR" sz="1400" dirty="0"/>
+              <a:t>, permissions, </a:t>
+            </a:r>
+            <a:r>
+              <a:rPr lang="fr-FR" sz="1400" dirty="0" err="1"/>
+              <a:t>grantResults</a:t>
+            </a:r>
+            <a:r>
+              <a:rPr lang="fr-FR" sz="1400" dirty="0"/>
+              <a:t>);</a:t>
+            </a:r>
+          </a:p>
+          <a:p>
+            <a:r>
+              <a:rPr lang="en-US" sz="1400" dirty="0"/>
+              <a:t>}</a:t>
             </a:r>
           </a:p>
         </p:txBody>
@@ -19451,7 +21774,7 @@
     </p:spTree>
     <p:extLst>
       <p:ext uri="{BB962C8B-B14F-4D97-AF65-F5344CB8AC3E}">
-        <p14:creationId xmlns:p14="http://schemas.microsoft.com/office/powerpoint/2010/main" val="1182838588"/>
+        <p14:creationId xmlns:p14="http://schemas.microsoft.com/office/powerpoint/2010/main" val="1041029672"/>
       </p:ext>
     </p:extLst>
   </p:cSld>
@@ -19492,10 +21815,10 @@
       </p:grpSpPr>
       <p:sp>
         <p:nvSpPr>
-          <p:cNvPr id="3" name="Title 2">
+          <p:cNvPr id="4" name="Title 3">
             <a:extLst>
               <a:ext uri="{FF2B5EF4-FFF2-40B4-BE49-F238E27FC236}">
-                <a16:creationId xmlns:a16="http://schemas.microsoft.com/office/drawing/2014/main" id="{520AAA00-72C3-462F-93F2-E2F3649C262A}"/>
+                <a16:creationId xmlns:a16="http://schemas.microsoft.com/office/drawing/2014/main" id="{A6415C81-7E54-4413-9933-2E996B0B6668}"/>
               </a:ext>
             </a:extLst>
           </p:cNvPr>
@@ -19513,15 +21836,20 @@
           <a:p>
             <a:r>
               <a:rPr lang="en-US" dirty="0"/>
-              <a:t>Thank You!</a:t>
-            </a:r>
+              <a:t>Creating </a:t>
+            </a:r>
+            <a:r>
+              <a:rPr lang="en-US" dirty="0" err="1"/>
+              <a:t>Xamarin.Essentials</a:t>
+            </a:r>
+            <a:endParaRPr lang="en-US" dirty="0"/>
           </a:p>
         </p:txBody>
       </p:sp>
     </p:spTree>
     <p:extLst>
       <p:ext uri="{BB962C8B-B14F-4D97-AF65-F5344CB8AC3E}">
-        <p14:creationId xmlns:p14="http://schemas.microsoft.com/office/powerpoint/2010/main" val="2402828649"/>
+        <p14:creationId xmlns:p14="http://schemas.microsoft.com/office/powerpoint/2010/main" val="3638631821"/>
       </p:ext>
     </p:extLst>
   </p:cSld>
@@ -20702,6 +23030,15 @@
 </file>
 
 <file path=customXml/item2.xml><?xml version="1.0" encoding="utf-8"?>
+<?mso-contentType ?>
+<FormTemplates xmlns="http://schemas.microsoft.com/sharepoint/v3/contenttype/forms">
+  <Display>DocumentLibraryForm</Display>
+  <Edit>DocumentLibraryForm</Edit>
+  <New>DocumentLibraryForm</New>
+</FormTemplates>
+</file>
+
+<file path=customXml/item3.xml><?xml version="1.0" encoding="utf-8"?>
 <ct:contentTypeSchema xmlns:ct="http://schemas.microsoft.com/office/2006/metadata/contentType" xmlns:ma="http://schemas.microsoft.com/office/2006/metadata/properties/metaAttributes" ct:_="" ma:_="" ma:contentTypeName="Document" ma:contentTypeID="0x010100A2B0BB5962AB3C45A9A1CE1EC4C4F647" ma:contentTypeVersion="3" ma:contentTypeDescription="Create a new document." ma:contentTypeScope="" ma:versionID="f0876370c90de824ab54c09b0bd2a056">
   <xsd:schema xmlns:xsd="http://www.w3.org/2001/XMLSchema" xmlns:xs="http://www.w3.org/2001/XMLSchema" xmlns:p="http://schemas.microsoft.com/office/2006/metadata/properties" xmlns:ns3="630a2e83-186a-4a0f-ab27-bee8a8096abc" targetNamespace="http://schemas.microsoft.com/office/2006/metadata/properties" ma:root="true" ma:fieldsID="a2a3b5ed8b4accd7c8a398d0cb075271" ns3:_="">
     <xsd:import namespace="630a2e83-186a-4a0f-ab27-bee8a8096abc"/>
@@ -20855,15 +23192,6 @@
 </ct:contentTypeSchema>
 </file>
 
-<file path=customXml/item3.xml><?xml version="1.0" encoding="utf-8"?>
-<?mso-contentType ?>
-<FormTemplates xmlns="http://schemas.microsoft.com/sharepoint/v3/contenttype/forms">
-  <Display>DocumentLibraryForm</Display>
-  <Edit>DocumentLibraryForm</Edit>
-  <New>DocumentLibraryForm</New>
-</FormTemplates>
-</file>
-
 <file path=customXml/itemProps1.xml><?xml version="1.0" encoding="utf-8"?>
 <ds:datastoreItem xmlns:ds="http://schemas.openxmlformats.org/officeDocument/2006/customXml" ds:itemID="{F990F116-B58F-4255-B05B-DA3808E0E5C6}">
   <ds:schemaRefs>
@@ -20881,6 +23209,14 @@
 </file>
 
 <file path=customXml/itemProps2.xml><?xml version="1.0" encoding="utf-8"?>
+<ds:datastoreItem xmlns:ds="http://schemas.openxmlformats.org/officeDocument/2006/customXml" ds:itemID="{758FDAC0-319D-4A54-8D8E-1D42CB1F8004}">
+  <ds:schemaRefs>
+    <ds:schemaRef ds:uri="http://schemas.microsoft.com/sharepoint/v3/contenttype/forms"/>
+  </ds:schemaRefs>
+</ds:datastoreItem>
+</file>
+
+<file path=customXml/itemProps3.xml><?xml version="1.0" encoding="utf-8"?>
 <ds:datastoreItem xmlns:ds="http://schemas.openxmlformats.org/officeDocument/2006/customXml" ds:itemID="{F330841A-A209-44E7-824E-9DDB4DE0DC3C}">
   <ds:schemaRefs>
     <ds:schemaRef ds:uri="http://schemas.microsoft.com/office/2006/metadata/contentType"/>
@@ -20896,12 +23232,4 @@
     <ds:schemaRef ds:uri="http://schemas.microsoft.com/internal/obd"/>
   </ds:schemaRefs>
 </ds:datastoreItem>
-</file>
-
-<file path=customXml/itemProps3.xml><?xml version="1.0" encoding="utf-8"?>
-<ds:datastoreItem xmlns:ds="http://schemas.openxmlformats.org/officeDocument/2006/customXml" ds:itemID="{758FDAC0-319D-4A54-8D8E-1D42CB1F8004}">
-  <ds:schemaRefs>
-    <ds:schemaRef ds:uri="http://schemas.microsoft.com/sharepoint/v3/contenttype/forms"/>
-  </ds:schemaRefs>
-</ds:datastoreItem>
 </file>